--- a/EE/OPT8241/TechTip/OPT8241.pptx
+++ b/EE/OPT8241/TechTip/OPT8241.pptx
@@ -4,14 +4,30 @@
   <p:sldMasterIdLst>
     <p:sldMasterId id="2147483648" r:id="rId1"/>
   </p:sldMasterIdLst>
-  <p:sldSz cx="9144000" cy="6858000" type="screen4x3"/>
+  <p:sldIdLst>
+    <p:sldId id="256" r:id="rId2"/>
+    <p:sldId id="257" r:id="rId3"/>
+    <p:sldId id="259" r:id="rId4"/>
+    <p:sldId id="260" r:id="rId5"/>
+    <p:sldId id="261" r:id="rId6"/>
+    <p:sldId id="262" r:id="rId7"/>
+    <p:sldId id="263" r:id="rId8"/>
+    <p:sldId id="265" r:id="rId9"/>
+    <p:sldId id="266" r:id="rId10"/>
+    <p:sldId id="267" r:id="rId11"/>
+    <p:sldId id="268" r:id="rId12"/>
+    <p:sldId id="269" r:id="rId13"/>
+    <p:sldId id="270" r:id="rId14"/>
+    <p:sldId id="264" r:id="rId15"/>
+  </p:sldIdLst>
+  <p:sldSz cx="12601575" cy="7200900"/>
   <p:notesSz cx="6858000" cy="9144000"/>
   <p:defaultTextStyle>
     <a:defPPr>
       <a:defRPr lang="zh-CN"/>
     </a:defPPr>
-    <a:lvl1pPr marL="0" algn="l" defTabSz="914400" rtl="0" eaLnBrk="1" latinLnBrk="0" hangingPunct="1">
-      <a:defRPr sz="1800" kern="1200">
+    <a:lvl1pPr marL="0" algn="l" defTabSz="1110905" rtl="0" eaLnBrk="1" latinLnBrk="0" hangingPunct="1">
+      <a:defRPr sz="2200" kern="1200">
         <a:solidFill>
           <a:schemeClr val="tx1"/>
         </a:solidFill>
@@ -20,8 +36,8 @@
         <a:cs typeface="+mn-cs"/>
       </a:defRPr>
     </a:lvl1pPr>
-    <a:lvl2pPr marL="457200" algn="l" defTabSz="914400" rtl="0" eaLnBrk="1" latinLnBrk="0" hangingPunct="1">
-      <a:defRPr sz="1800" kern="1200">
+    <a:lvl2pPr marL="555452" algn="l" defTabSz="1110905" rtl="0" eaLnBrk="1" latinLnBrk="0" hangingPunct="1">
+      <a:defRPr sz="2200" kern="1200">
         <a:solidFill>
           <a:schemeClr val="tx1"/>
         </a:solidFill>
@@ -30,8 +46,8 @@
         <a:cs typeface="+mn-cs"/>
       </a:defRPr>
     </a:lvl2pPr>
-    <a:lvl3pPr marL="914400" algn="l" defTabSz="914400" rtl="0" eaLnBrk="1" latinLnBrk="0" hangingPunct="1">
-      <a:defRPr sz="1800" kern="1200">
+    <a:lvl3pPr marL="1110905" algn="l" defTabSz="1110905" rtl="0" eaLnBrk="1" latinLnBrk="0" hangingPunct="1">
+      <a:defRPr sz="2200" kern="1200">
         <a:solidFill>
           <a:schemeClr val="tx1"/>
         </a:solidFill>
@@ -40,8 +56,8 @@
         <a:cs typeface="+mn-cs"/>
       </a:defRPr>
     </a:lvl3pPr>
-    <a:lvl4pPr marL="1371600" algn="l" defTabSz="914400" rtl="0" eaLnBrk="1" latinLnBrk="0" hangingPunct="1">
-      <a:defRPr sz="1800" kern="1200">
+    <a:lvl4pPr marL="1666357" algn="l" defTabSz="1110905" rtl="0" eaLnBrk="1" latinLnBrk="0" hangingPunct="1">
+      <a:defRPr sz="2200" kern="1200">
         <a:solidFill>
           <a:schemeClr val="tx1"/>
         </a:solidFill>
@@ -50,8 +66,8 @@
         <a:cs typeface="+mn-cs"/>
       </a:defRPr>
     </a:lvl4pPr>
-    <a:lvl5pPr marL="1828800" algn="l" defTabSz="914400" rtl="0" eaLnBrk="1" latinLnBrk="0" hangingPunct="1">
-      <a:defRPr sz="1800" kern="1200">
+    <a:lvl5pPr marL="2221809" algn="l" defTabSz="1110905" rtl="0" eaLnBrk="1" latinLnBrk="0" hangingPunct="1">
+      <a:defRPr sz="2200" kern="1200">
         <a:solidFill>
           <a:schemeClr val="tx1"/>
         </a:solidFill>
@@ -60,8 +76,8 @@
         <a:cs typeface="+mn-cs"/>
       </a:defRPr>
     </a:lvl5pPr>
-    <a:lvl6pPr marL="2286000" algn="l" defTabSz="914400" rtl="0" eaLnBrk="1" latinLnBrk="0" hangingPunct="1">
-      <a:defRPr sz="1800" kern="1200">
+    <a:lvl6pPr marL="2777261" algn="l" defTabSz="1110905" rtl="0" eaLnBrk="1" latinLnBrk="0" hangingPunct="1">
+      <a:defRPr sz="2200" kern="1200">
         <a:solidFill>
           <a:schemeClr val="tx1"/>
         </a:solidFill>
@@ -70,8 +86,8 @@
         <a:cs typeface="+mn-cs"/>
       </a:defRPr>
     </a:lvl6pPr>
-    <a:lvl7pPr marL="2743200" algn="l" defTabSz="914400" rtl="0" eaLnBrk="1" latinLnBrk="0" hangingPunct="1">
-      <a:defRPr sz="1800" kern="1200">
+    <a:lvl7pPr marL="3332714" algn="l" defTabSz="1110905" rtl="0" eaLnBrk="1" latinLnBrk="0" hangingPunct="1">
+      <a:defRPr sz="2200" kern="1200">
         <a:solidFill>
           <a:schemeClr val="tx1"/>
         </a:solidFill>
@@ -80,8 +96,8 @@
         <a:cs typeface="+mn-cs"/>
       </a:defRPr>
     </a:lvl7pPr>
-    <a:lvl8pPr marL="3200400" algn="l" defTabSz="914400" rtl="0" eaLnBrk="1" latinLnBrk="0" hangingPunct="1">
-      <a:defRPr sz="1800" kern="1200">
+    <a:lvl8pPr marL="3888166" algn="l" defTabSz="1110905" rtl="0" eaLnBrk="1" latinLnBrk="0" hangingPunct="1">
+      <a:defRPr sz="2200" kern="1200">
         <a:solidFill>
           <a:schemeClr val="tx1"/>
         </a:solidFill>
@@ -90,8 +106,8 @@
         <a:cs typeface="+mn-cs"/>
       </a:defRPr>
     </a:lvl8pPr>
-    <a:lvl9pPr marL="3657600" algn="l" defTabSz="914400" rtl="0" eaLnBrk="1" latinLnBrk="0" hangingPunct="1">
-      <a:defRPr sz="1800" kern="1200">
+    <a:lvl9pPr marL="4443618" algn="l" defTabSz="1110905" rtl="0" eaLnBrk="1" latinLnBrk="0" hangingPunct="1">
+      <a:defRPr sz="2200" kern="1200">
         <a:solidFill>
           <a:schemeClr val="tx1"/>
         </a:solidFill>
@@ -133,8 +149,8 @@
         </p:nvSpPr>
         <p:spPr>
           <a:xfrm>
-            <a:off x="685800" y="2130425"/>
-            <a:ext cx="7772400" cy="1470025"/>
+            <a:off x="945118" y="2236946"/>
+            <a:ext cx="10711339" cy="1543527"/>
           </a:xfrm>
         </p:spPr>
         <p:txBody>
@@ -161,8 +177,8 @@
         </p:nvSpPr>
         <p:spPr>
           <a:xfrm>
-            <a:off x="1371600" y="3886200"/>
-            <a:ext cx="6400800" cy="1752600"/>
+            <a:off x="1890237" y="4080510"/>
+            <a:ext cx="8821103" cy="1840230"/>
           </a:xfrm>
         </p:spPr>
         <p:txBody>
@@ -178,7 +194,7 @@
                 </a:solidFill>
               </a:defRPr>
             </a:lvl1pPr>
-            <a:lvl2pPr marL="457200" indent="0" algn="ctr">
+            <a:lvl2pPr marL="555452" indent="0" algn="ctr">
               <a:buNone/>
               <a:defRPr>
                 <a:solidFill>
@@ -188,7 +204,7 @@
                 </a:solidFill>
               </a:defRPr>
             </a:lvl2pPr>
-            <a:lvl3pPr marL="914400" indent="0" algn="ctr">
+            <a:lvl3pPr marL="1110905" indent="0" algn="ctr">
               <a:buNone/>
               <a:defRPr>
                 <a:solidFill>
@@ -198,7 +214,7 @@
                 </a:solidFill>
               </a:defRPr>
             </a:lvl3pPr>
-            <a:lvl4pPr marL="1371600" indent="0" algn="ctr">
+            <a:lvl4pPr marL="1666357" indent="0" algn="ctr">
               <a:buNone/>
               <a:defRPr>
                 <a:solidFill>
@@ -208,7 +224,7 @@
                 </a:solidFill>
               </a:defRPr>
             </a:lvl4pPr>
-            <a:lvl5pPr marL="1828800" indent="0" algn="ctr">
+            <a:lvl5pPr marL="2221809" indent="0" algn="ctr">
               <a:buNone/>
               <a:defRPr>
                 <a:solidFill>
@@ -218,7 +234,7 @@
                 </a:solidFill>
               </a:defRPr>
             </a:lvl5pPr>
-            <a:lvl6pPr marL="2286000" indent="0" algn="ctr">
+            <a:lvl6pPr marL="2777261" indent="0" algn="ctr">
               <a:buNone/>
               <a:defRPr>
                 <a:solidFill>
@@ -228,7 +244,7 @@
                 </a:solidFill>
               </a:defRPr>
             </a:lvl6pPr>
-            <a:lvl7pPr marL="2743200" indent="0" algn="ctr">
+            <a:lvl7pPr marL="3332714" indent="0" algn="ctr">
               <a:buNone/>
               <a:defRPr>
                 <a:solidFill>
@@ -238,7 +254,7 @@
                 </a:solidFill>
               </a:defRPr>
             </a:lvl7pPr>
-            <a:lvl8pPr marL="3200400" indent="0" algn="ctr">
+            <a:lvl8pPr marL="3888166" indent="0" algn="ctr">
               <a:buNone/>
               <a:defRPr>
                 <a:solidFill>
@@ -248,7 +264,7 @@
                 </a:solidFill>
               </a:defRPr>
             </a:lvl8pPr>
-            <a:lvl9pPr marL="3657600" indent="0" algn="ctr">
+            <a:lvl9pPr marL="4443618" indent="0" algn="ctr">
               <a:buNone/>
               <a:defRPr>
                 <a:solidFill>
@@ -285,7 +301,7 @@
           <a:p>
             <a:fld id="{530820CF-B880-4189-942D-D702A7CBA730}" type="datetimeFigureOut">
               <a:rPr lang="zh-CN" altLang="en-US" smtClean="0"/>
-              <a:t>2006-9-7</a:t>
+              <a:t>2018/8/25</a:t>
             </a:fld>
             <a:endParaRPr lang="zh-CN" altLang="en-US"/>
           </a:p>
@@ -450,7 +466,7 @@
           <a:p>
             <a:fld id="{530820CF-B880-4189-942D-D702A7CBA730}" type="datetimeFigureOut">
               <a:rPr lang="zh-CN" altLang="en-US" smtClean="0"/>
-              <a:t>2006-9-7</a:t>
+              <a:t>2018/8/25</a:t>
             </a:fld>
             <a:endParaRPr lang="zh-CN" altLang="en-US"/>
           </a:p>
@@ -535,8 +551,8 @@
         </p:nvSpPr>
         <p:spPr>
           <a:xfrm>
-            <a:off x="6629400" y="274638"/>
-            <a:ext cx="2057400" cy="5851525"/>
+            <a:off x="9136142" y="288371"/>
+            <a:ext cx="2835355" cy="6144101"/>
           </a:xfrm>
         </p:spPr>
         <p:txBody>
@@ -563,8 +579,8 @@
         </p:nvSpPr>
         <p:spPr>
           <a:xfrm>
-            <a:off x="457200" y="274638"/>
-            <a:ext cx="6019800" cy="5851525"/>
+            <a:off x="630079" y="288371"/>
+            <a:ext cx="8296037" cy="6144101"/>
           </a:xfrm>
         </p:spPr>
         <p:txBody>
@@ -625,7 +641,7 @@
           <a:p>
             <a:fld id="{530820CF-B880-4189-942D-D702A7CBA730}" type="datetimeFigureOut">
               <a:rPr lang="zh-CN" altLang="en-US" smtClean="0"/>
-              <a:t>2006-9-7</a:t>
+              <a:t>2018/8/25</a:t>
             </a:fld>
             <a:endParaRPr lang="zh-CN" altLang="en-US"/>
           </a:p>
@@ -790,7 +806,7 @@
           <a:p>
             <a:fld id="{530820CF-B880-4189-942D-D702A7CBA730}" type="datetimeFigureOut">
               <a:rPr lang="zh-CN" altLang="en-US" smtClean="0"/>
-              <a:t>2006-9-7</a:t>
+              <a:t>2018/8/25</a:t>
             </a:fld>
             <a:endParaRPr lang="zh-CN" altLang="en-US"/>
           </a:p>
@@ -875,15 +891,15 @@
         </p:nvSpPr>
         <p:spPr>
           <a:xfrm>
-            <a:off x="722313" y="4406900"/>
-            <a:ext cx="7772400" cy="1362075"/>
+            <a:off x="995438" y="4627246"/>
+            <a:ext cx="10711339" cy="1430179"/>
           </a:xfrm>
         </p:spPr>
         <p:txBody>
           <a:bodyPr anchor="t"/>
           <a:lstStyle>
             <a:lvl1pPr algn="l">
-              <a:defRPr sz="4000" b="1" cap="all"/>
+              <a:defRPr sz="4900" b="1" cap="all"/>
             </a:lvl1pPr>
           </a:lstStyle>
           <a:p>
@@ -907,8 +923,8 @@
         </p:nvSpPr>
         <p:spPr>
           <a:xfrm>
-            <a:off x="722313" y="2906713"/>
-            <a:ext cx="7772400" cy="1500187"/>
+            <a:off x="995438" y="3052050"/>
+            <a:ext cx="10711339" cy="1575196"/>
           </a:xfrm>
         </p:spPr>
         <p:txBody>
@@ -916,7 +932,7 @@
           <a:lstStyle>
             <a:lvl1pPr marL="0" indent="0">
               <a:buNone/>
-              <a:defRPr sz="2000">
+              <a:defRPr sz="2400">
                 <a:solidFill>
                   <a:schemeClr val="tx1">
                     <a:tint val="75000"/>
@@ -924,9 +940,9 @@
                 </a:solidFill>
               </a:defRPr>
             </a:lvl1pPr>
-            <a:lvl2pPr marL="457200" indent="0">
-              <a:buNone/>
-              <a:defRPr sz="1800">
+            <a:lvl2pPr marL="555452" indent="0">
+              <a:buNone/>
+              <a:defRPr sz="2200">
                 <a:solidFill>
                   <a:schemeClr val="tx1">
                     <a:tint val="75000"/>
@@ -934,9 +950,9 @@
                 </a:solidFill>
               </a:defRPr>
             </a:lvl2pPr>
-            <a:lvl3pPr marL="914400" indent="0">
-              <a:buNone/>
-              <a:defRPr sz="1600">
+            <a:lvl3pPr marL="1110905" indent="0">
+              <a:buNone/>
+              <a:defRPr sz="1900">
                 <a:solidFill>
                   <a:schemeClr val="tx1">
                     <a:tint val="75000"/>
@@ -944,9 +960,9 @@
                 </a:solidFill>
               </a:defRPr>
             </a:lvl3pPr>
-            <a:lvl4pPr marL="1371600" indent="0">
-              <a:buNone/>
-              <a:defRPr sz="1400">
+            <a:lvl4pPr marL="1666357" indent="0">
+              <a:buNone/>
+              <a:defRPr sz="1700">
                 <a:solidFill>
                   <a:schemeClr val="tx1">
                     <a:tint val="75000"/>
@@ -954,9 +970,9 @@
                 </a:solidFill>
               </a:defRPr>
             </a:lvl4pPr>
-            <a:lvl5pPr marL="1828800" indent="0">
-              <a:buNone/>
-              <a:defRPr sz="1400">
+            <a:lvl5pPr marL="2221809" indent="0">
+              <a:buNone/>
+              <a:defRPr sz="1700">
                 <a:solidFill>
                   <a:schemeClr val="tx1">
                     <a:tint val="75000"/>
@@ -964,9 +980,9 @@
                 </a:solidFill>
               </a:defRPr>
             </a:lvl5pPr>
-            <a:lvl6pPr marL="2286000" indent="0">
-              <a:buNone/>
-              <a:defRPr sz="1400">
+            <a:lvl6pPr marL="2777261" indent="0">
+              <a:buNone/>
+              <a:defRPr sz="1700">
                 <a:solidFill>
                   <a:schemeClr val="tx1">
                     <a:tint val="75000"/>
@@ -974,9 +990,9 @@
                 </a:solidFill>
               </a:defRPr>
             </a:lvl6pPr>
-            <a:lvl7pPr marL="2743200" indent="0">
-              <a:buNone/>
-              <a:defRPr sz="1400">
+            <a:lvl7pPr marL="3332714" indent="0">
+              <a:buNone/>
+              <a:defRPr sz="1700">
                 <a:solidFill>
                   <a:schemeClr val="tx1">
                     <a:tint val="75000"/>
@@ -984,9 +1000,9 @@
                 </a:solidFill>
               </a:defRPr>
             </a:lvl7pPr>
-            <a:lvl8pPr marL="3200400" indent="0">
-              <a:buNone/>
-              <a:defRPr sz="1400">
+            <a:lvl8pPr marL="3888166" indent="0">
+              <a:buNone/>
+              <a:defRPr sz="1700">
                 <a:solidFill>
                   <a:schemeClr val="tx1">
                     <a:tint val="75000"/>
@@ -994,9 +1010,9 @@
                 </a:solidFill>
               </a:defRPr>
             </a:lvl8pPr>
-            <a:lvl9pPr marL="3657600" indent="0">
-              <a:buNone/>
-              <a:defRPr sz="1400">
+            <a:lvl9pPr marL="4443618" indent="0">
+              <a:buNone/>
+              <a:defRPr sz="1700">
                 <a:solidFill>
                   <a:schemeClr val="tx1">
                     <a:tint val="75000"/>
@@ -1031,7 +1047,7 @@
           <a:p>
             <a:fld id="{530820CF-B880-4189-942D-D702A7CBA730}" type="datetimeFigureOut">
               <a:rPr lang="zh-CN" altLang="en-US" smtClean="0"/>
-              <a:t>2006-9-7</a:t>
+              <a:t>2018/8/25</a:t>
             </a:fld>
             <a:endParaRPr lang="zh-CN" altLang="en-US"/>
           </a:p>
@@ -1139,39 +1155,39 @@
         </p:nvSpPr>
         <p:spPr>
           <a:xfrm>
-            <a:off x="457200" y="1600200"/>
-            <a:ext cx="4038600" cy="4525963"/>
+            <a:off x="630080" y="1680211"/>
+            <a:ext cx="5565695" cy="4752261"/>
           </a:xfrm>
         </p:spPr>
         <p:txBody>
           <a:bodyPr/>
           <a:lstStyle>
             <a:lvl1pPr>
-              <a:defRPr sz="2800"/>
+              <a:defRPr sz="3400"/>
             </a:lvl1pPr>
             <a:lvl2pPr>
-              <a:defRPr sz="2400"/>
+              <a:defRPr sz="2900"/>
             </a:lvl2pPr>
             <a:lvl3pPr>
-              <a:defRPr sz="2000"/>
+              <a:defRPr sz="2400"/>
             </a:lvl3pPr>
             <a:lvl4pPr>
-              <a:defRPr sz="1800"/>
+              <a:defRPr sz="2200"/>
             </a:lvl4pPr>
             <a:lvl5pPr>
-              <a:defRPr sz="1800"/>
+              <a:defRPr sz="2200"/>
             </a:lvl5pPr>
             <a:lvl6pPr>
-              <a:defRPr sz="1800"/>
+              <a:defRPr sz="2200"/>
             </a:lvl6pPr>
             <a:lvl7pPr>
-              <a:defRPr sz="1800"/>
+              <a:defRPr sz="2200"/>
             </a:lvl7pPr>
             <a:lvl8pPr>
-              <a:defRPr sz="1800"/>
+              <a:defRPr sz="2200"/>
             </a:lvl8pPr>
             <a:lvl9pPr>
-              <a:defRPr sz="1800"/>
+              <a:defRPr sz="2200"/>
             </a:lvl9pPr>
           </a:lstStyle>
           <a:p>
@@ -1224,39 +1240,39 @@
         </p:nvSpPr>
         <p:spPr>
           <a:xfrm>
-            <a:off x="4648200" y="1600200"/>
-            <a:ext cx="4038600" cy="4525963"/>
+            <a:off x="6405801" y="1680211"/>
+            <a:ext cx="5565695" cy="4752261"/>
           </a:xfrm>
         </p:spPr>
         <p:txBody>
           <a:bodyPr/>
           <a:lstStyle>
             <a:lvl1pPr>
-              <a:defRPr sz="2800"/>
+              <a:defRPr sz="3400"/>
             </a:lvl1pPr>
             <a:lvl2pPr>
-              <a:defRPr sz="2400"/>
+              <a:defRPr sz="2900"/>
             </a:lvl2pPr>
             <a:lvl3pPr>
-              <a:defRPr sz="2000"/>
+              <a:defRPr sz="2400"/>
             </a:lvl3pPr>
             <a:lvl4pPr>
-              <a:defRPr sz="1800"/>
+              <a:defRPr sz="2200"/>
             </a:lvl4pPr>
             <a:lvl5pPr>
-              <a:defRPr sz="1800"/>
+              <a:defRPr sz="2200"/>
             </a:lvl5pPr>
             <a:lvl6pPr>
-              <a:defRPr sz="1800"/>
+              <a:defRPr sz="2200"/>
             </a:lvl6pPr>
             <a:lvl7pPr>
-              <a:defRPr sz="1800"/>
+              <a:defRPr sz="2200"/>
             </a:lvl7pPr>
             <a:lvl8pPr>
-              <a:defRPr sz="1800"/>
+              <a:defRPr sz="2200"/>
             </a:lvl8pPr>
             <a:lvl9pPr>
-              <a:defRPr sz="1800"/>
+              <a:defRPr sz="2200"/>
             </a:lvl9pPr>
           </a:lstStyle>
           <a:p>
@@ -1314,7 +1330,7 @@
           <a:p>
             <a:fld id="{530820CF-B880-4189-942D-D702A7CBA730}" type="datetimeFigureOut">
               <a:rPr lang="zh-CN" altLang="en-US" smtClean="0"/>
-              <a:t>2006-9-7</a:t>
+              <a:t>2018/8/25</a:t>
             </a:fld>
             <a:endParaRPr lang="zh-CN" altLang="en-US"/>
           </a:p>
@@ -1426,8 +1442,8 @@
         </p:nvSpPr>
         <p:spPr>
           <a:xfrm>
-            <a:off x="457200" y="1535113"/>
-            <a:ext cx="4040188" cy="639762"/>
+            <a:off x="630079" y="1611869"/>
+            <a:ext cx="5567884" cy="671750"/>
           </a:xfrm>
         </p:spPr>
         <p:txBody>
@@ -1435,39 +1451,39 @@
           <a:lstStyle>
             <a:lvl1pPr marL="0" indent="0">
               <a:buNone/>
+              <a:defRPr sz="2900" b="1"/>
+            </a:lvl1pPr>
+            <a:lvl2pPr marL="555452" indent="0">
+              <a:buNone/>
               <a:defRPr sz="2400" b="1"/>
-            </a:lvl1pPr>
-            <a:lvl2pPr marL="457200" indent="0">
-              <a:buNone/>
-              <a:defRPr sz="2000" b="1"/>
             </a:lvl2pPr>
-            <a:lvl3pPr marL="914400" indent="0">
-              <a:buNone/>
-              <a:defRPr sz="1800" b="1"/>
+            <a:lvl3pPr marL="1110905" indent="0">
+              <a:buNone/>
+              <a:defRPr sz="2200" b="1"/>
             </a:lvl3pPr>
-            <a:lvl4pPr marL="1371600" indent="0">
-              <a:buNone/>
-              <a:defRPr sz="1600" b="1"/>
+            <a:lvl4pPr marL="1666357" indent="0">
+              <a:buNone/>
+              <a:defRPr sz="1900" b="1"/>
             </a:lvl4pPr>
-            <a:lvl5pPr marL="1828800" indent="0">
-              <a:buNone/>
-              <a:defRPr sz="1600" b="1"/>
+            <a:lvl5pPr marL="2221809" indent="0">
+              <a:buNone/>
+              <a:defRPr sz="1900" b="1"/>
             </a:lvl5pPr>
-            <a:lvl6pPr marL="2286000" indent="0">
-              <a:buNone/>
-              <a:defRPr sz="1600" b="1"/>
+            <a:lvl6pPr marL="2777261" indent="0">
+              <a:buNone/>
+              <a:defRPr sz="1900" b="1"/>
             </a:lvl6pPr>
-            <a:lvl7pPr marL="2743200" indent="0">
-              <a:buNone/>
-              <a:defRPr sz="1600" b="1"/>
+            <a:lvl7pPr marL="3332714" indent="0">
+              <a:buNone/>
+              <a:defRPr sz="1900" b="1"/>
             </a:lvl7pPr>
-            <a:lvl8pPr marL="3200400" indent="0">
-              <a:buNone/>
-              <a:defRPr sz="1600" b="1"/>
+            <a:lvl8pPr marL="3888166" indent="0">
+              <a:buNone/>
+              <a:defRPr sz="1900" b="1"/>
             </a:lvl8pPr>
-            <a:lvl9pPr marL="3657600" indent="0">
-              <a:buNone/>
-              <a:defRPr sz="1600" b="1"/>
+            <a:lvl9pPr marL="4443618" indent="0">
+              <a:buNone/>
+              <a:defRPr sz="1900" b="1"/>
             </a:lvl9pPr>
           </a:lstStyle>
           <a:p>
@@ -1491,39 +1507,39 @@
         </p:nvSpPr>
         <p:spPr>
           <a:xfrm>
-            <a:off x="457200" y="2174875"/>
-            <a:ext cx="4040188" cy="3951288"/>
+            <a:off x="630079" y="2283619"/>
+            <a:ext cx="5567884" cy="4148852"/>
           </a:xfrm>
         </p:spPr>
         <p:txBody>
           <a:bodyPr/>
           <a:lstStyle>
             <a:lvl1pPr>
-              <a:defRPr sz="2400"/>
+              <a:defRPr sz="2900"/>
             </a:lvl1pPr>
             <a:lvl2pPr>
-              <a:defRPr sz="2000"/>
+              <a:defRPr sz="2400"/>
             </a:lvl2pPr>
             <a:lvl3pPr>
-              <a:defRPr sz="1800"/>
+              <a:defRPr sz="2200"/>
             </a:lvl3pPr>
             <a:lvl4pPr>
-              <a:defRPr sz="1600"/>
+              <a:defRPr sz="1900"/>
             </a:lvl4pPr>
             <a:lvl5pPr>
-              <a:defRPr sz="1600"/>
+              <a:defRPr sz="1900"/>
             </a:lvl5pPr>
             <a:lvl6pPr>
-              <a:defRPr sz="1600"/>
+              <a:defRPr sz="1900"/>
             </a:lvl6pPr>
             <a:lvl7pPr>
-              <a:defRPr sz="1600"/>
+              <a:defRPr sz="1900"/>
             </a:lvl7pPr>
             <a:lvl8pPr>
-              <a:defRPr sz="1600"/>
+              <a:defRPr sz="1900"/>
             </a:lvl8pPr>
             <a:lvl9pPr>
-              <a:defRPr sz="1600"/>
+              <a:defRPr sz="1900"/>
             </a:lvl9pPr>
           </a:lstStyle>
           <a:p>
@@ -1576,8 +1592,8 @@
         </p:nvSpPr>
         <p:spPr>
           <a:xfrm>
-            <a:off x="4645025" y="1535113"/>
-            <a:ext cx="4041775" cy="639762"/>
+            <a:off x="6401426" y="1611869"/>
+            <a:ext cx="5570072" cy="671750"/>
           </a:xfrm>
         </p:spPr>
         <p:txBody>
@@ -1585,39 +1601,39 @@
           <a:lstStyle>
             <a:lvl1pPr marL="0" indent="0">
               <a:buNone/>
+              <a:defRPr sz="2900" b="1"/>
+            </a:lvl1pPr>
+            <a:lvl2pPr marL="555452" indent="0">
+              <a:buNone/>
               <a:defRPr sz="2400" b="1"/>
-            </a:lvl1pPr>
-            <a:lvl2pPr marL="457200" indent="0">
-              <a:buNone/>
-              <a:defRPr sz="2000" b="1"/>
             </a:lvl2pPr>
-            <a:lvl3pPr marL="914400" indent="0">
-              <a:buNone/>
-              <a:defRPr sz="1800" b="1"/>
+            <a:lvl3pPr marL="1110905" indent="0">
+              <a:buNone/>
+              <a:defRPr sz="2200" b="1"/>
             </a:lvl3pPr>
-            <a:lvl4pPr marL="1371600" indent="0">
-              <a:buNone/>
-              <a:defRPr sz="1600" b="1"/>
+            <a:lvl4pPr marL="1666357" indent="0">
+              <a:buNone/>
+              <a:defRPr sz="1900" b="1"/>
             </a:lvl4pPr>
-            <a:lvl5pPr marL="1828800" indent="0">
-              <a:buNone/>
-              <a:defRPr sz="1600" b="1"/>
+            <a:lvl5pPr marL="2221809" indent="0">
+              <a:buNone/>
+              <a:defRPr sz="1900" b="1"/>
             </a:lvl5pPr>
-            <a:lvl6pPr marL="2286000" indent="0">
-              <a:buNone/>
-              <a:defRPr sz="1600" b="1"/>
+            <a:lvl6pPr marL="2777261" indent="0">
+              <a:buNone/>
+              <a:defRPr sz="1900" b="1"/>
             </a:lvl6pPr>
-            <a:lvl7pPr marL="2743200" indent="0">
-              <a:buNone/>
-              <a:defRPr sz="1600" b="1"/>
+            <a:lvl7pPr marL="3332714" indent="0">
+              <a:buNone/>
+              <a:defRPr sz="1900" b="1"/>
             </a:lvl7pPr>
-            <a:lvl8pPr marL="3200400" indent="0">
-              <a:buNone/>
-              <a:defRPr sz="1600" b="1"/>
+            <a:lvl8pPr marL="3888166" indent="0">
+              <a:buNone/>
+              <a:defRPr sz="1900" b="1"/>
             </a:lvl8pPr>
-            <a:lvl9pPr marL="3657600" indent="0">
-              <a:buNone/>
-              <a:defRPr sz="1600" b="1"/>
+            <a:lvl9pPr marL="4443618" indent="0">
+              <a:buNone/>
+              <a:defRPr sz="1900" b="1"/>
             </a:lvl9pPr>
           </a:lstStyle>
           <a:p>
@@ -1641,39 +1657,39 @@
         </p:nvSpPr>
         <p:spPr>
           <a:xfrm>
-            <a:off x="4645025" y="2174875"/>
-            <a:ext cx="4041775" cy="3951288"/>
+            <a:off x="6401426" y="2283619"/>
+            <a:ext cx="5570072" cy="4148852"/>
           </a:xfrm>
         </p:spPr>
         <p:txBody>
           <a:bodyPr/>
           <a:lstStyle>
             <a:lvl1pPr>
-              <a:defRPr sz="2400"/>
+              <a:defRPr sz="2900"/>
             </a:lvl1pPr>
             <a:lvl2pPr>
-              <a:defRPr sz="2000"/>
+              <a:defRPr sz="2400"/>
             </a:lvl2pPr>
             <a:lvl3pPr>
-              <a:defRPr sz="1800"/>
+              <a:defRPr sz="2200"/>
             </a:lvl3pPr>
             <a:lvl4pPr>
-              <a:defRPr sz="1600"/>
+              <a:defRPr sz="1900"/>
             </a:lvl4pPr>
             <a:lvl5pPr>
-              <a:defRPr sz="1600"/>
+              <a:defRPr sz="1900"/>
             </a:lvl5pPr>
             <a:lvl6pPr>
-              <a:defRPr sz="1600"/>
+              <a:defRPr sz="1900"/>
             </a:lvl6pPr>
             <a:lvl7pPr>
-              <a:defRPr sz="1600"/>
+              <a:defRPr sz="1900"/>
             </a:lvl7pPr>
             <a:lvl8pPr>
-              <a:defRPr sz="1600"/>
+              <a:defRPr sz="1900"/>
             </a:lvl8pPr>
             <a:lvl9pPr>
-              <a:defRPr sz="1600"/>
+              <a:defRPr sz="1900"/>
             </a:lvl9pPr>
           </a:lstStyle>
           <a:p>
@@ -1731,7 +1747,7 @@
           <a:p>
             <a:fld id="{530820CF-B880-4189-942D-D702A7CBA730}" type="datetimeFigureOut">
               <a:rPr lang="zh-CN" altLang="en-US" smtClean="0"/>
-              <a:t>2006-9-7</a:t>
+              <a:t>2018/8/25</a:t>
             </a:fld>
             <a:endParaRPr lang="zh-CN" altLang="en-US"/>
           </a:p>
@@ -1844,7 +1860,7 @@
           <a:p>
             <a:fld id="{530820CF-B880-4189-942D-D702A7CBA730}" type="datetimeFigureOut">
               <a:rPr lang="zh-CN" altLang="en-US" smtClean="0"/>
-              <a:t>2006-9-7</a:t>
+              <a:t>2018/8/25</a:t>
             </a:fld>
             <a:endParaRPr lang="zh-CN" altLang="en-US"/>
           </a:p>
@@ -1934,7 +1950,7 @@
           <a:p>
             <a:fld id="{530820CF-B880-4189-942D-D702A7CBA730}" type="datetimeFigureOut">
               <a:rPr lang="zh-CN" altLang="en-US" smtClean="0"/>
-              <a:t>2006-9-7</a:t>
+              <a:t>2018/8/25</a:t>
             </a:fld>
             <a:endParaRPr lang="zh-CN" altLang="en-US"/>
           </a:p>
@@ -2019,15 +2035,15 @@
         </p:nvSpPr>
         <p:spPr>
           <a:xfrm>
-            <a:off x="457200" y="273050"/>
-            <a:ext cx="3008313" cy="1162050"/>
+            <a:off x="630079" y="286704"/>
+            <a:ext cx="4145832" cy="1220152"/>
           </a:xfrm>
         </p:spPr>
         <p:txBody>
           <a:bodyPr anchor="b"/>
           <a:lstStyle>
             <a:lvl1pPr algn="l">
-              <a:defRPr sz="2000" b="1"/>
+              <a:defRPr sz="2400" b="1"/>
             </a:lvl1pPr>
           </a:lstStyle>
           <a:p>
@@ -2051,39 +2067,39 @@
         </p:nvSpPr>
         <p:spPr>
           <a:xfrm>
-            <a:off x="3575050" y="273050"/>
-            <a:ext cx="5111750" cy="5853113"/>
+            <a:off x="4926867" y="286703"/>
+            <a:ext cx="7044631" cy="6145769"/>
           </a:xfrm>
         </p:spPr>
         <p:txBody>
           <a:bodyPr/>
           <a:lstStyle>
             <a:lvl1pPr>
-              <a:defRPr sz="3200"/>
+              <a:defRPr sz="3900"/>
             </a:lvl1pPr>
             <a:lvl2pPr>
-              <a:defRPr sz="2800"/>
+              <a:defRPr sz="3400"/>
             </a:lvl2pPr>
             <a:lvl3pPr>
-              <a:defRPr sz="2400"/>
+              <a:defRPr sz="2900"/>
             </a:lvl3pPr>
             <a:lvl4pPr>
-              <a:defRPr sz="2000"/>
+              <a:defRPr sz="2400"/>
             </a:lvl4pPr>
             <a:lvl5pPr>
-              <a:defRPr sz="2000"/>
+              <a:defRPr sz="2400"/>
             </a:lvl5pPr>
             <a:lvl6pPr>
-              <a:defRPr sz="2000"/>
+              <a:defRPr sz="2400"/>
             </a:lvl6pPr>
             <a:lvl7pPr>
-              <a:defRPr sz="2000"/>
+              <a:defRPr sz="2400"/>
             </a:lvl7pPr>
             <a:lvl8pPr>
-              <a:defRPr sz="2000"/>
+              <a:defRPr sz="2400"/>
             </a:lvl8pPr>
             <a:lvl9pPr>
-              <a:defRPr sz="2000"/>
+              <a:defRPr sz="2400"/>
             </a:lvl9pPr>
           </a:lstStyle>
           <a:p>
@@ -2136,8 +2152,8 @@
         </p:nvSpPr>
         <p:spPr>
           <a:xfrm>
-            <a:off x="457200" y="1435100"/>
-            <a:ext cx="3008313" cy="4691063"/>
+            <a:off x="630079" y="1506855"/>
+            <a:ext cx="4145832" cy="4925617"/>
           </a:xfrm>
         </p:spPr>
         <p:txBody>
@@ -2145,39 +2161,39 @@
           <a:lstStyle>
             <a:lvl1pPr marL="0" indent="0">
               <a:buNone/>
-              <a:defRPr sz="1400"/>
+              <a:defRPr sz="1700"/>
             </a:lvl1pPr>
-            <a:lvl2pPr marL="457200" indent="0">
+            <a:lvl2pPr marL="555452" indent="0">
+              <a:buNone/>
+              <a:defRPr sz="1500"/>
+            </a:lvl2pPr>
+            <a:lvl3pPr marL="1110905" indent="0">
               <a:buNone/>
               <a:defRPr sz="1200"/>
-            </a:lvl2pPr>
-            <a:lvl3pPr marL="914400" indent="0">
-              <a:buNone/>
-              <a:defRPr sz="1000"/>
             </a:lvl3pPr>
-            <a:lvl4pPr marL="1371600" indent="0">
-              <a:buNone/>
-              <a:defRPr sz="900"/>
+            <a:lvl4pPr marL="1666357" indent="0">
+              <a:buNone/>
+              <a:defRPr sz="1100"/>
             </a:lvl4pPr>
-            <a:lvl5pPr marL="1828800" indent="0">
-              <a:buNone/>
-              <a:defRPr sz="900"/>
+            <a:lvl5pPr marL="2221809" indent="0">
+              <a:buNone/>
+              <a:defRPr sz="1100"/>
             </a:lvl5pPr>
-            <a:lvl6pPr marL="2286000" indent="0">
-              <a:buNone/>
-              <a:defRPr sz="900"/>
+            <a:lvl6pPr marL="2777261" indent="0">
+              <a:buNone/>
+              <a:defRPr sz="1100"/>
             </a:lvl6pPr>
-            <a:lvl7pPr marL="2743200" indent="0">
-              <a:buNone/>
-              <a:defRPr sz="900"/>
+            <a:lvl7pPr marL="3332714" indent="0">
+              <a:buNone/>
+              <a:defRPr sz="1100"/>
             </a:lvl7pPr>
-            <a:lvl8pPr marL="3200400" indent="0">
-              <a:buNone/>
-              <a:defRPr sz="900"/>
+            <a:lvl8pPr marL="3888166" indent="0">
+              <a:buNone/>
+              <a:defRPr sz="1100"/>
             </a:lvl8pPr>
-            <a:lvl9pPr marL="3657600" indent="0">
-              <a:buNone/>
-              <a:defRPr sz="900"/>
+            <a:lvl9pPr marL="4443618" indent="0">
+              <a:buNone/>
+              <a:defRPr sz="1100"/>
             </a:lvl9pPr>
           </a:lstStyle>
           <a:p>
@@ -2206,7 +2222,7 @@
           <a:p>
             <a:fld id="{530820CF-B880-4189-942D-D702A7CBA730}" type="datetimeFigureOut">
               <a:rPr lang="zh-CN" altLang="en-US" smtClean="0"/>
-              <a:t>2006-9-7</a:t>
+              <a:t>2018/8/25</a:t>
             </a:fld>
             <a:endParaRPr lang="zh-CN" altLang="en-US"/>
           </a:p>
@@ -2291,15 +2307,15 @@
         </p:nvSpPr>
         <p:spPr>
           <a:xfrm>
-            <a:off x="1792288" y="4800600"/>
-            <a:ext cx="5486400" cy="566738"/>
+            <a:off x="2469997" y="5040630"/>
+            <a:ext cx="7560945" cy="595075"/>
           </a:xfrm>
         </p:spPr>
         <p:txBody>
           <a:bodyPr anchor="b"/>
           <a:lstStyle>
             <a:lvl1pPr algn="l">
-              <a:defRPr sz="2000" b="1"/>
+              <a:defRPr sz="2400" b="1"/>
             </a:lvl1pPr>
           </a:lstStyle>
           <a:p>
@@ -2323,8 +2339,8 @@
         </p:nvSpPr>
         <p:spPr>
           <a:xfrm>
-            <a:off x="1792288" y="612775"/>
-            <a:ext cx="5486400" cy="4114800"/>
+            <a:off x="2469997" y="643414"/>
+            <a:ext cx="7560945" cy="4320540"/>
           </a:xfrm>
         </p:spPr>
         <p:txBody>
@@ -2332,39 +2348,39 @@
           <a:lstStyle>
             <a:lvl1pPr marL="0" indent="0">
               <a:buNone/>
-              <a:defRPr sz="3200"/>
+              <a:defRPr sz="3900"/>
             </a:lvl1pPr>
-            <a:lvl2pPr marL="457200" indent="0">
-              <a:buNone/>
-              <a:defRPr sz="2800"/>
+            <a:lvl2pPr marL="555452" indent="0">
+              <a:buNone/>
+              <a:defRPr sz="3400"/>
             </a:lvl2pPr>
-            <a:lvl3pPr marL="914400" indent="0">
+            <a:lvl3pPr marL="1110905" indent="0">
+              <a:buNone/>
+              <a:defRPr sz="2900"/>
+            </a:lvl3pPr>
+            <a:lvl4pPr marL="1666357" indent="0">
               <a:buNone/>
               <a:defRPr sz="2400"/>
-            </a:lvl3pPr>
-            <a:lvl4pPr marL="1371600" indent="0">
-              <a:buNone/>
-              <a:defRPr sz="2000"/>
             </a:lvl4pPr>
-            <a:lvl5pPr marL="1828800" indent="0">
-              <a:buNone/>
-              <a:defRPr sz="2000"/>
+            <a:lvl5pPr marL="2221809" indent="0">
+              <a:buNone/>
+              <a:defRPr sz="2400"/>
             </a:lvl5pPr>
-            <a:lvl6pPr marL="2286000" indent="0">
-              <a:buNone/>
-              <a:defRPr sz="2000"/>
+            <a:lvl6pPr marL="2777261" indent="0">
+              <a:buNone/>
+              <a:defRPr sz="2400"/>
             </a:lvl6pPr>
-            <a:lvl7pPr marL="2743200" indent="0">
-              <a:buNone/>
-              <a:defRPr sz="2000"/>
+            <a:lvl7pPr marL="3332714" indent="0">
+              <a:buNone/>
+              <a:defRPr sz="2400"/>
             </a:lvl7pPr>
-            <a:lvl8pPr marL="3200400" indent="0">
-              <a:buNone/>
-              <a:defRPr sz="2000"/>
+            <a:lvl8pPr marL="3888166" indent="0">
+              <a:buNone/>
+              <a:defRPr sz="2400"/>
             </a:lvl8pPr>
-            <a:lvl9pPr marL="3657600" indent="0">
-              <a:buNone/>
-              <a:defRPr sz="2000"/>
+            <a:lvl9pPr marL="4443618" indent="0">
+              <a:buNone/>
+              <a:defRPr sz="2400"/>
             </a:lvl9pPr>
           </a:lstStyle>
           <a:p>
@@ -2384,8 +2400,8 @@
         </p:nvSpPr>
         <p:spPr>
           <a:xfrm>
-            <a:off x="1792288" y="5367338"/>
-            <a:ext cx="5486400" cy="804862"/>
+            <a:off x="2469997" y="5635706"/>
+            <a:ext cx="7560945" cy="845105"/>
           </a:xfrm>
         </p:spPr>
         <p:txBody>
@@ -2393,39 +2409,39 @@
           <a:lstStyle>
             <a:lvl1pPr marL="0" indent="0">
               <a:buNone/>
-              <a:defRPr sz="1400"/>
+              <a:defRPr sz="1700"/>
             </a:lvl1pPr>
-            <a:lvl2pPr marL="457200" indent="0">
+            <a:lvl2pPr marL="555452" indent="0">
+              <a:buNone/>
+              <a:defRPr sz="1500"/>
+            </a:lvl2pPr>
+            <a:lvl3pPr marL="1110905" indent="0">
               <a:buNone/>
               <a:defRPr sz="1200"/>
-            </a:lvl2pPr>
-            <a:lvl3pPr marL="914400" indent="0">
-              <a:buNone/>
-              <a:defRPr sz="1000"/>
             </a:lvl3pPr>
-            <a:lvl4pPr marL="1371600" indent="0">
-              <a:buNone/>
-              <a:defRPr sz="900"/>
+            <a:lvl4pPr marL="1666357" indent="0">
+              <a:buNone/>
+              <a:defRPr sz="1100"/>
             </a:lvl4pPr>
-            <a:lvl5pPr marL="1828800" indent="0">
-              <a:buNone/>
-              <a:defRPr sz="900"/>
+            <a:lvl5pPr marL="2221809" indent="0">
+              <a:buNone/>
+              <a:defRPr sz="1100"/>
             </a:lvl5pPr>
-            <a:lvl6pPr marL="2286000" indent="0">
-              <a:buNone/>
-              <a:defRPr sz="900"/>
+            <a:lvl6pPr marL="2777261" indent="0">
+              <a:buNone/>
+              <a:defRPr sz="1100"/>
             </a:lvl6pPr>
-            <a:lvl7pPr marL="2743200" indent="0">
-              <a:buNone/>
-              <a:defRPr sz="900"/>
+            <a:lvl7pPr marL="3332714" indent="0">
+              <a:buNone/>
+              <a:defRPr sz="1100"/>
             </a:lvl7pPr>
-            <a:lvl8pPr marL="3200400" indent="0">
-              <a:buNone/>
-              <a:defRPr sz="900"/>
+            <a:lvl8pPr marL="3888166" indent="0">
+              <a:buNone/>
+              <a:defRPr sz="1100"/>
             </a:lvl8pPr>
-            <a:lvl9pPr marL="3657600" indent="0">
-              <a:buNone/>
-              <a:defRPr sz="900"/>
+            <a:lvl9pPr marL="4443618" indent="0">
+              <a:buNone/>
+              <a:defRPr sz="1100"/>
             </a:lvl9pPr>
           </a:lstStyle>
           <a:p>
@@ -2454,7 +2470,7 @@
           <a:p>
             <a:fld id="{530820CF-B880-4189-942D-D702A7CBA730}" type="datetimeFigureOut">
               <a:rPr lang="zh-CN" altLang="en-US" smtClean="0"/>
-              <a:t>2006-9-7</a:t>
+              <a:t>2018/8/25</a:t>
             </a:fld>
             <a:endParaRPr lang="zh-CN" altLang="en-US"/>
           </a:p>
@@ -2544,15 +2560,15 @@
         </p:nvSpPr>
         <p:spPr>
           <a:xfrm>
-            <a:off x="457200" y="274638"/>
-            <a:ext cx="8229600" cy="1143000"/>
+            <a:off x="630080" y="288370"/>
+            <a:ext cx="11341418" cy="1200150"/>
           </a:xfrm>
           <a:prstGeom prst="rect">
             <a:avLst/>
           </a:prstGeom>
         </p:spPr>
         <p:txBody>
-          <a:bodyPr vert="horz" lIns="91440" tIns="45720" rIns="91440" bIns="45720" rtlCol="0" anchor="ctr">
+          <a:bodyPr vert="horz" lIns="111090" tIns="55545" rIns="111090" bIns="55545" rtlCol="0" anchor="ctr">
             <a:normAutofit/>
           </a:bodyPr>
           <a:lstStyle/>
@@ -2577,15 +2593,15 @@
         </p:nvSpPr>
         <p:spPr>
           <a:xfrm>
-            <a:off x="457200" y="1600200"/>
-            <a:ext cx="8229600" cy="4525963"/>
+            <a:off x="630080" y="1680211"/>
+            <a:ext cx="11341418" cy="4752261"/>
           </a:xfrm>
           <a:prstGeom prst="rect">
             <a:avLst/>
           </a:prstGeom>
         </p:spPr>
         <p:txBody>
-          <a:bodyPr vert="horz" lIns="91440" tIns="45720" rIns="91440" bIns="45720" rtlCol="0">
+          <a:bodyPr vert="horz" lIns="111090" tIns="55545" rIns="111090" bIns="55545" rtlCol="0">
             <a:normAutofit/>
           </a:bodyPr>
           <a:lstStyle/>
@@ -2639,18 +2655,18 @@
         </p:nvSpPr>
         <p:spPr>
           <a:xfrm>
-            <a:off x="457200" y="6356350"/>
-            <a:ext cx="2133600" cy="365125"/>
+            <a:off x="630080" y="6674168"/>
+            <a:ext cx="2940368" cy="383382"/>
           </a:xfrm>
           <a:prstGeom prst="rect">
             <a:avLst/>
           </a:prstGeom>
         </p:spPr>
         <p:txBody>
-          <a:bodyPr vert="horz" lIns="91440" tIns="45720" rIns="91440" bIns="45720" rtlCol="0" anchor="ctr"/>
+          <a:bodyPr vert="horz" lIns="111090" tIns="55545" rIns="111090" bIns="55545" rtlCol="0" anchor="ctr"/>
           <a:lstStyle>
             <a:lvl1pPr algn="l">
-              <a:defRPr sz="1200">
+              <a:defRPr sz="1500">
                 <a:solidFill>
                   <a:schemeClr val="tx1">
                     <a:tint val="75000"/>
@@ -2662,7 +2678,7 @@
           <a:p>
             <a:fld id="{530820CF-B880-4189-942D-D702A7CBA730}" type="datetimeFigureOut">
               <a:rPr lang="zh-CN" altLang="en-US" smtClean="0"/>
-              <a:t>2006-9-7</a:t>
+              <a:t>2018/8/25</a:t>
             </a:fld>
             <a:endParaRPr lang="zh-CN" altLang="en-US"/>
           </a:p>
@@ -2680,18 +2696,18 @@
         </p:nvSpPr>
         <p:spPr>
           <a:xfrm>
-            <a:off x="3124200" y="6356350"/>
-            <a:ext cx="2895600" cy="365125"/>
+            <a:off x="4305538" y="6674168"/>
+            <a:ext cx="3990499" cy="383382"/>
           </a:xfrm>
           <a:prstGeom prst="rect">
             <a:avLst/>
           </a:prstGeom>
         </p:spPr>
         <p:txBody>
-          <a:bodyPr vert="horz" lIns="91440" tIns="45720" rIns="91440" bIns="45720" rtlCol="0" anchor="ctr"/>
+          <a:bodyPr vert="horz" lIns="111090" tIns="55545" rIns="111090" bIns="55545" rtlCol="0" anchor="ctr"/>
           <a:lstStyle>
             <a:lvl1pPr algn="ctr">
-              <a:defRPr sz="1200">
+              <a:defRPr sz="1500">
                 <a:solidFill>
                   <a:schemeClr val="tx1">
                     <a:tint val="75000"/>
@@ -2717,18 +2733,18 @@
         </p:nvSpPr>
         <p:spPr>
           <a:xfrm>
-            <a:off x="6553200" y="6356350"/>
-            <a:ext cx="2133600" cy="365125"/>
+            <a:off x="9031130" y="6674168"/>
+            <a:ext cx="2940368" cy="383382"/>
           </a:xfrm>
           <a:prstGeom prst="rect">
             <a:avLst/>
           </a:prstGeom>
         </p:spPr>
         <p:txBody>
-          <a:bodyPr vert="horz" lIns="91440" tIns="45720" rIns="91440" bIns="45720" rtlCol="0" anchor="ctr"/>
+          <a:bodyPr vert="horz" lIns="111090" tIns="55545" rIns="111090" bIns="55545" rtlCol="0" anchor="ctr"/>
           <a:lstStyle>
             <a:lvl1pPr algn="r">
-              <a:defRPr sz="1200">
+              <a:defRPr sz="1500">
                 <a:solidFill>
                   <a:schemeClr val="tx1">
                     <a:tint val="75000"/>
@@ -2764,12 +2780,12 @@
   </p:sldLayoutIdLst>
   <p:txStyles>
     <p:titleStyle>
-      <a:lvl1pPr algn="ctr" defTabSz="914400" rtl="0" eaLnBrk="1" latinLnBrk="0" hangingPunct="1">
+      <a:lvl1pPr algn="ctr" defTabSz="1110905" rtl="0" eaLnBrk="1" latinLnBrk="0" hangingPunct="1">
         <a:spcBef>
           <a:spcPct val="0"/>
         </a:spcBef>
         <a:buNone/>
-        <a:defRPr sz="4400" kern="1200">
+        <a:defRPr sz="5300" kern="1200">
           <a:solidFill>
             <a:schemeClr val="tx1"/>
           </a:solidFill>
@@ -2780,13 +2796,13 @@
       </a:lvl1pPr>
     </p:titleStyle>
     <p:bodyStyle>
-      <a:lvl1pPr marL="342900" indent="-342900" algn="l" defTabSz="914400" rtl="0" eaLnBrk="1" latinLnBrk="0" hangingPunct="1">
+      <a:lvl1pPr marL="416589" indent="-416589" algn="l" defTabSz="1110905" rtl="0" eaLnBrk="1" latinLnBrk="0" hangingPunct="1">
         <a:spcBef>
           <a:spcPct val="20000"/>
         </a:spcBef>
         <a:buFont typeface="Arial" pitchFamily="34" charset="0"/>
         <a:buChar char="•"/>
-        <a:defRPr sz="3200" kern="1200">
+        <a:defRPr sz="3900" kern="1200">
           <a:solidFill>
             <a:schemeClr val="tx1"/>
           </a:solidFill>
@@ -2795,13 +2811,13 @@
           <a:cs typeface="+mn-cs"/>
         </a:defRPr>
       </a:lvl1pPr>
-      <a:lvl2pPr marL="742950" indent="-285750" algn="l" defTabSz="914400" rtl="0" eaLnBrk="1" latinLnBrk="0" hangingPunct="1">
+      <a:lvl2pPr marL="902610" indent="-347158" algn="l" defTabSz="1110905" rtl="0" eaLnBrk="1" latinLnBrk="0" hangingPunct="1">
         <a:spcBef>
           <a:spcPct val="20000"/>
         </a:spcBef>
         <a:buFont typeface="Arial" pitchFamily="34" charset="0"/>
         <a:buChar char="–"/>
-        <a:defRPr sz="2800" kern="1200">
+        <a:defRPr sz="3400" kern="1200">
           <a:solidFill>
             <a:schemeClr val="tx1"/>
           </a:solidFill>
@@ -2810,7 +2826,52 @@
           <a:cs typeface="+mn-cs"/>
         </a:defRPr>
       </a:lvl2pPr>
-      <a:lvl3pPr marL="1143000" indent="-228600" algn="l" defTabSz="914400" rtl="0" eaLnBrk="1" latinLnBrk="0" hangingPunct="1">
+      <a:lvl3pPr marL="1388631" indent="-277726" algn="l" defTabSz="1110905" rtl="0" eaLnBrk="1" latinLnBrk="0" hangingPunct="1">
+        <a:spcBef>
+          <a:spcPct val="20000"/>
+        </a:spcBef>
+        <a:buFont typeface="Arial" pitchFamily="34" charset="0"/>
+        <a:buChar char="•"/>
+        <a:defRPr sz="2900" kern="1200">
+          <a:solidFill>
+            <a:schemeClr val="tx1"/>
+          </a:solidFill>
+          <a:latin typeface="+mn-lt"/>
+          <a:ea typeface="+mn-ea"/>
+          <a:cs typeface="+mn-cs"/>
+        </a:defRPr>
+      </a:lvl3pPr>
+      <a:lvl4pPr marL="1944083" indent="-277726" algn="l" defTabSz="1110905" rtl="0" eaLnBrk="1" latinLnBrk="0" hangingPunct="1">
+        <a:spcBef>
+          <a:spcPct val="20000"/>
+        </a:spcBef>
+        <a:buFont typeface="Arial" pitchFamily="34" charset="0"/>
+        <a:buChar char="–"/>
+        <a:defRPr sz="2400" kern="1200">
+          <a:solidFill>
+            <a:schemeClr val="tx1"/>
+          </a:solidFill>
+          <a:latin typeface="+mn-lt"/>
+          <a:ea typeface="+mn-ea"/>
+          <a:cs typeface="+mn-cs"/>
+        </a:defRPr>
+      </a:lvl4pPr>
+      <a:lvl5pPr marL="2499535" indent="-277726" algn="l" defTabSz="1110905" rtl="0" eaLnBrk="1" latinLnBrk="0" hangingPunct="1">
+        <a:spcBef>
+          <a:spcPct val="20000"/>
+        </a:spcBef>
+        <a:buFont typeface="Arial" pitchFamily="34" charset="0"/>
+        <a:buChar char="»"/>
+        <a:defRPr sz="2400" kern="1200">
+          <a:solidFill>
+            <a:schemeClr val="tx1"/>
+          </a:solidFill>
+          <a:latin typeface="+mn-lt"/>
+          <a:ea typeface="+mn-ea"/>
+          <a:cs typeface="+mn-cs"/>
+        </a:defRPr>
+      </a:lvl5pPr>
+      <a:lvl6pPr marL="3054988" indent="-277726" algn="l" defTabSz="1110905" rtl="0" eaLnBrk="1" latinLnBrk="0" hangingPunct="1">
         <a:spcBef>
           <a:spcPct val="20000"/>
         </a:spcBef>
@@ -2824,59 +2885,14 @@
           <a:ea typeface="+mn-ea"/>
           <a:cs typeface="+mn-cs"/>
         </a:defRPr>
-      </a:lvl3pPr>
-      <a:lvl4pPr marL="1600200" indent="-228600" algn="l" defTabSz="914400" rtl="0" eaLnBrk="1" latinLnBrk="0" hangingPunct="1">
-        <a:spcBef>
-          <a:spcPct val="20000"/>
-        </a:spcBef>
-        <a:buFont typeface="Arial" pitchFamily="34" charset="0"/>
-        <a:buChar char="–"/>
-        <a:defRPr sz="2000" kern="1200">
-          <a:solidFill>
-            <a:schemeClr val="tx1"/>
-          </a:solidFill>
-          <a:latin typeface="+mn-lt"/>
-          <a:ea typeface="+mn-ea"/>
-          <a:cs typeface="+mn-cs"/>
-        </a:defRPr>
-      </a:lvl4pPr>
-      <a:lvl5pPr marL="2057400" indent="-228600" algn="l" defTabSz="914400" rtl="0" eaLnBrk="1" latinLnBrk="0" hangingPunct="1">
-        <a:spcBef>
-          <a:spcPct val="20000"/>
-        </a:spcBef>
-        <a:buFont typeface="Arial" pitchFamily="34" charset="0"/>
-        <a:buChar char="»"/>
-        <a:defRPr sz="2000" kern="1200">
-          <a:solidFill>
-            <a:schemeClr val="tx1"/>
-          </a:solidFill>
-          <a:latin typeface="+mn-lt"/>
-          <a:ea typeface="+mn-ea"/>
-          <a:cs typeface="+mn-cs"/>
-        </a:defRPr>
-      </a:lvl5pPr>
-      <a:lvl6pPr marL="2514600" indent="-228600" algn="l" defTabSz="914400" rtl="0" eaLnBrk="1" latinLnBrk="0" hangingPunct="1">
+      </a:lvl6pPr>
+      <a:lvl7pPr marL="3610440" indent="-277726" algn="l" defTabSz="1110905" rtl="0" eaLnBrk="1" latinLnBrk="0" hangingPunct="1">
         <a:spcBef>
           <a:spcPct val="20000"/>
         </a:spcBef>
         <a:buFont typeface="Arial" pitchFamily="34" charset="0"/>
         <a:buChar char="•"/>
-        <a:defRPr sz="2000" kern="1200">
-          <a:solidFill>
-            <a:schemeClr val="tx1"/>
-          </a:solidFill>
-          <a:latin typeface="+mn-lt"/>
-          <a:ea typeface="+mn-ea"/>
-          <a:cs typeface="+mn-cs"/>
-        </a:defRPr>
-      </a:lvl6pPr>
-      <a:lvl7pPr marL="2971800" indent="-228600" algn="l" defTabSz="914400" rtl="0" eaLnBrk="1" latinLnBrk="0" hangingPunct="1">
-        <a:spcBef>
-          <a:spcPct val="20000"/>
-        </a:spcBef>
-        <a:buFont typeface="Arial" pitchFamily="34" charset="0"/>
-        <a:buChar char="•"/>
-        <a:defRPr sz="2000" kern="1200">
+        <a:defRPr sz="2400" kern="1200">
           <a:solidFill>
             <a:schemeClr val="tx1"/>
           </a:solidFill>
@@ -2885,13 +2901,13 @@
           <a:cs typeface="+mn-cs"/>
         </a:defRPr>
       </a:lvl7pPr>
-      <a:lvl8pPr marL="3429000" indent="-228600" algn="l" defTabSz="914400" rtl="0" eaLnBrk="1" latinLnBrk="0" hangingPunct="1">
+      <a:lvl8pPr marL="4165892" indent="-277726" algn="l" defTabSz="1110905" rtl="0" eaLnBrk="1" latinLnBrk="0" hangingPunct="1">
         <a:spcBef>
           <a:spcPct val="20000"/>
         </a:spcBef>
         <a:buFont typeface="Arial" pitchFamily="34" charset="0"/>
         <a:buChar char="•"/>
-        <a:defRPr sz="2000" kern="1200">
+        <a:defRPr sz="2400" kern="1200">
           <a:solidFill>
             <a:schemeClr val="tx1"/>
           </a:solidFill>
@@ -2900,13 +2916,13 @@
           <a:cs typeface="+mn-cs"/>
         </a:defRPr>
       </a:lvl8pPr>
-      <a:lvl9pPr marL="3886200" indent="-228600" algn="l" defTabSz="914400" rtl="0" eaLnBrk="1" latinLnBrk="0" hangingPunct="1">
+      <a:lvl9pPr marL="4721344" indent="-277726" algn="l" defTabSz="1110905" rtl="0" eaLnBrk="1" latinLnBrk="0" hangingPunct="1">
         <a:spcBef>
           <a:spcPct val="20000"/>
         </a:spcBef>
         <a:buFont typeface="Arial" pitchFamily="34" charset="0"/>
         <a:buChar char="•"/>
-        <a:defRPr sz="2000" kern="1200">
+        <a:defRPr sz="2400" kern="1200">
           <a:solidFill>
             <a:schemeClr val="tx1"/>
           </a:solidFill>
@@ -2920,8 +2936,8 @@
       <a:defPPr>
         <a:defRPr lang="zh-CN"/>
       </a:defPPr>
-      <a:lvl1pPr marL="0" algn="l" defTabSz="914400" rtl="0" eaLnBrk="1" latinLnBrk="0" hangingPunct="1">
-        <a:defRPr sz="1800" kern="1200">
+      <a:lvl1pPr marL="0" algn="l" defTabSz="1110905" rtl="0" eaLnBrk="1" latinLnBrk="0" hangingPunct="1">
+        <a:defRPr sz="2200" kern="1200">
           <a:solidFill>
             <a:schemeClr val="tx1"/>
           </a:solidFill>
@@ -2930,8 +2946,8 @@
           <a:cs typeface="+mn-cs"/>
         </a:defRPr>
       </a:lvl1pPr>
-      <a:lvl2pPr marL="457200" algn="l" defTabSz="914400" rtl="0" eaLnBrk="1" latinLnBrk="0" hangingPunct="1">
-        <a:defRPr sz="1800" kern="1200">
+      <a:lvl2pPr marL="555452" algn="l" defTabSz="1110905" rtl="0" eaLnBrk="1" latinLnBrk="0" hangingPunct="1">
+        <a:defRPr sz="2200" kern="1200">
           <a:solidFill>
             <a:schemeClr val="tx1"/>
           </a:solidFill>
@@ -2940,8 +2956,8 @@
           <a:cs typeface="+mn-cs"/>
         </a:defRPr>
       </a:lvl2pPr>
-      <a:lvl3pPr marL="914400" algn="l" defTabSz="914400" rtl="0" eaLnBrk="1" latinLnBrk="0" hangingPunct="1">
-        <a:defRPr sz="1800" kern="1200">
+      <a:lvl3pPr marL="1110905" algn="l" defTabSz="1110905" rtl="0" eaLnBrk="1" latinLnBrk="0" hangingPunct="1">
+        <a:defRPr sz="2200" kern="1200">
           <a:solidFill>
             <a:schemeClr val="tx1"/>
           </a:solidFill>
@@ -2950,8 +2966,8 @@
           <a:cs typeface="+mn-cs"/>
         </a:defRPr>
       </a:lvl3pPr>
-      <a:lvl4pPr marL="1371600" algn="l" defTabSz="914400" rtl="0" eaLnBrk="1" latinLnBrk="0" hangingPunct="1">
-        <a:defRPr sz="1800" kern="1200">
+      <a:lvl4pPr marL="1666357" algn="l" defTabSz="1110905" rtl="0" eaLnBrk="1" latinLnBrk="0" hangingPunct="1">
+        <a:defRPr sz="2200" kern="1200">
           <a:solidFill>
             <a:schemeClr val="tx1"/>
           </a:solidFill>
@@ -2960,8 +2976,8 @@
           <a:cs typeface="+mn-cs"/>
         </a:defRPr>
       </a:lvl4pPr>
-      <a:lvl5pPr marL="1828800" algn="l" defTabSz="914400" rtl="0" eaLnBrk="1" latinLnBrk="0" hangingPunct="1">
-        <a:defRPr sz="1800" kern="1200">
+      <a:lvl5pPr marL="2221809" algn="l" defTabSz="1110905" rtl="0" eaLnBrk="1" latinLnBrk="0" hangingPunct="1">
+        <a:defRPr sz="2200" kern="1200">
           <a:solidFill>
             <a:schemeClr val="tx1"/>
           </a:solidFill>
@@ -2970,8 +2986,8 @@
           <a:cs typeface="+mn-cs"/>
         </a:defRPr>
       </a:lvl5pPr>
-      <a:lvl6pPr marL="2286000" algn="l" defTabSz="914400" rtl="0" eaLnBrk="1" latinLnBrk="0" hangingPunct="1">
-        <a:defRPr sz="1800" kern="1200">
+      <a:lvl6pPr marL="2777261" algn="l" defTabSz="1110905" rtl="0" eaLnBrk="1" latinLnBrk="0" hangingPunct="1">
+        <a:defRPr sz="2200" kern="1200">
           <a:solidFill>
             <a:schemeClr val="tx1"/>
           </a:solidFill>
@@ -2980,8 +2996,8 @@
           <a:cs typeface="+mn-cs"/>
         </a:defRPr>
       </a:lvl6pPr>
-      <a:lvl7pPr marL="2743200" algn="l" defTabSz="914400" rtl="0" eaLnBrk="1" latinLnBrk="0" hangingPunct="1">
-        <a:defRPr sz="1800" kern="1200">
+      <a:lvl7pPr marL="3332714" algn="l" defTabSz="1110905" rtl="0" eaLnBrk="1" latinLnBrk="0" hangingPunct="1">
+        <a:defRPr sz="2200" kern="1200">
           <a:solidFill>
             <a:schemeClr val="tx1"/>
           </a:solidFill>
@@ -2990,8 +3006,8 @@
           <a:cs typeface="+mn-cs"/>
         </a:defRPr>
       </a:lvl7pPr>
-      <a:lvl8pPr marL="3200400" algn="l" defTabSz="914400" rtl="0" eaLnBrk="1" latinLnBrk="0" hangingPunct="1">
-        <a:defRPr sz="1800" kern="1200">
+      <a:lvl8pPr marL="3888166" algn="l" defTabSz="1110905" rtl="0" eaLnBrk="1" latinLnBrk="0" hangingPunct="1">
+        <a:defRPr sz="2200" kern="1200">
           <a:solidFill>
             <a:schemeClr val="tx1"/>
           </a:solidFill>
@@ -3000,8 +3016,8 @@
           <a:cs typeface="+mn-cs"/>
         </a:defRPr>
       </a:lvl8pPr>
-      <a:lvl9pPr marL="3657600" algn="l" defTabSz="914400" rtl="0" eaLnBrk="1" latinLnBrk="0" hangingPunct="1">
-        <a:defRPr sz="1800" kern="1200">
+      <a:lvl9pPr marL="4443618" algn="l" defTabSz="1110905" rtl="0" eaLnBrk="1" latinLnBrk="0" hangingPunct="1">
+        <a:defRPr sz="2200" kern="1200">
           <a:solidFill>
             <a:schemeClr val="tx1"/>
           </a:solidFill>
@@ -3013,6 +3029,1852 @@
     </p:otherStyle>
   </p:txStyles>
 </p:sldMaster>
+</file>
+
+<file path=ppt/slides/slide1.xml><?xml version="1.0" encoding="utf-8"?>
+<p:sld xmlns:a="http://schemas.openxmlformats.org/drawingml/2006/main" xmlns:r="http://schemas.openxmlformats.org/officeDocument/2006/relationships" xmlns:p="http://schemas.openxmlformats.org/presentationml/2006/main">
+  <p:cSld>
+    <p:spTree>
+      <p:nvGrpSpPr>
+        <p:cNvPr id="1" name=""/>
+        <p:cNvGrpSpPr/>
+        <p:nvPr/>
+      </p:nvGrpSpPr>
+      <p:grpSpPr>
+        <a:xfrm>
+          <a:off x="0" y="0"/>
+          <a:ext cx="0" cy="0"/>
+          <a:chOff x="0" y="0"/>
+          <a:chExt cx="0" cy="0"/>
+        </a:xfrm>
+      </p:grpSpPr>
+      <p:sp>
+        <p:nvSpPr>
+          <p:cNvPr id="2" name="标题 1"/>
+          <p:cNvSpPr>
+            <a:spLocks noGrp="1"/>
+          </p:cNvSpPr>
+          <p:nvPr>
+            <p:ph type="ctrTitle"/>
+          </p:nvPr>
+        </p:nvSpPr>
+        <p:spPr/>
+        <p:txBody>
+          <a:bodyPr/>
+          <a:lstStyle/>
+          <a:p>
+            <a:r>
+              <a:rPr lang="en-US" altLang="zh-CN" dirty="0" smtClean="0"/>
+              <a:t>OPT8241</a:t>
+            </a:r>
+            <a:endParaRPr lang="zh-CN" altLang="en-US" dirty="0"/>
+          </a:p>
+        </p:txBody>
+      </p:sp>
+      <p:sp>
+        <p:nvSpPr>
+          <p:cNvPr id="3" name="副标题 2"/>
+          <p:cNvSpPr>
+            <a:spLocks noGrp="1"/>
+          </p:cNvSpPr>
+          <p:nvPr>
+            <p:ph type="subTitle" idx="1"/>
+          </p:nvPr>
+        </p:nvSpPr>
+        <p:spPr/>
+        <p:txBody>
+          <a:bodyPr/>
+          <a:lstStyle/>
+          <a:p>
+            <a:r>
+              <a:rPr lang="en-US" altLang="zh-CN" dirty="0" err="1" smtClean="0"/>
+              <a:t>Hyan</a:t>
+            </a:r>
+            <a:endParaRPr lang="en-US" altLang="zh-CN" dirty="0" smtClean="0"/>
+          </a:p>
+          <a:p>
+            <a:r>
+              <a:rPr lang="en-US" altLang="zh-CN" dirty="0" smtClean="0"/>
+              <a:t>2018/08/25</a:t>
+            </a:r>
+            <a:endParaRPr lang="zh-CN" altLang="en-US" dirty="0"/>
+          </a:p>
+        </p:txBody>
+      </p:sp>
+    </p:spTree>
+    <p:extLst>
+      <p:ext uri="{BB962C8B-B14F-4D97-AF65-F5344CB8AC3E}">
+        <p14:creationId xmlns:p14="http://schemas.microsoft.com/office/powerpoint/2010/main" val="2527919671"/>
+      </p:ext>
+    </p:extLst>
+  </p:cSld>
+  <p:clrMapOvr>
+    <a:masterClrMapping/>
+  </p:clrMapOvr>
+</p:sld>
+</file>
+
+<file path=ppt/slides/slide10.xml><?xml version="1.0" encoding="utf-8"?>
+<p:sld xmlns:a="http://schemas.openxmlformats.org/drawingml/2006/main" xmlns:r="http://schemas.openxmlformats.org/officeDocument/2006/relationships" xmlns:p="http://schemas.openxmlformats.org/presentationml/2006/main">
+  <p:cSld>
+    <p:spTree>
+      <p:nvGrpSpPr>
+        <p:cNvPr id="1" name=""/>
+        <p:cNvGrpSpPr/>
+        <p:nvPr/>
+      </p:nvGrpSpPr>
+      <p:grpSpPr>
+        <a:xfrm>
+          <a:off x="0" y="0"/>
+          <a:ext cx="0" cy="0"/>
+          <a:chOff x="0" y="0"/>
+          <a:chExt cx="0" cy="0"/>
+        </a:xfrm>
+      </p:grpSpPr>
+      <p:sp>
+        <p:nvSpPr>
+          <p:cNvPr id="2" name="标题 1"/>
+          <p:cNvSpPr>
+            <a:spLocks noGrp="1"/>
+          </p:cNvSpPr>
+          <p:nvPr>
+            <p:ph type="title"/>
+          </p:nvPr>
+        </p:nvSpPr>
+        <p:spPr>
+          <a:xfrm>
+            <a:off x="630080" y="288370"/>
+            <a:ext cx="11341418" cy="935816"/>
+          </a:xfrm>
+        </p:spPr>
+        <p:txBody>
+          <a:bodyPr/>
+          <a:lstStyle/>
+          <a:p>
+            <a:pPr algn="l"/>
+            <a:r>
+              <a:rPr lang="en-US" altLang="zh-CN" dirty="0" smtClean="0"/>
+              <a:t>Block Diag</a:t>
+            </a:r>
+            <a:r>
+              <a:rPr lang="en-US" altLang="zh-CN" dirty="0"/>
+              <a:t>ram</a:t>
+            </a:r>
+            <a:endParaRPr lang="zh-CN" altLang="en-US" dirty="0"/>
+          </a:p>
+        </p:txBody>
+      </p:sp>
+      <p:pic>
+        <p:nvPicPr>
+          <p:cNvPr id="5" name="Picture 2"/>
+          <p:cNvPicPr>
+            <a:picLocks noChangeAspect="1" noChangeArrowheads="1"/>
+          </p:cNvPicPr>
+          <p:nvPr/>
+        </p:nvPicPr>
+        <p:blipFill>
+          <a:blip r:embed="rId2">
+            <a:extLst>
+              <a:ext uri="{28A0092B-C50C-407E-A947-70E740481C1C}">
+                <a14:useLocalDpi xmlns:a14="http://schemas.microsoft.com/office/drawing/2010/main" val="0"/>
+              </a:ext>
+            </a:extLst>
+          </a:blip>
+          <a:srcRect/>
+          <a:stretch>
+            <a:fillRect/>
+          </a:stretch>
+        </p:blipFill>
+        <p:spPr bwMode="auto">
+          <a:xfrm>
+            <a:off x="3189288" y="1266825"/>
+            <a:ext cx="6223000" cy="4667250"/>
+          </a:xfrm>
+          <a:prstGeom prst="rect">
+            <a:avLst/>
+          </a:prstGeom>
+          <a:noFill/>
+          <a:ln>
+            <a:noFill/>
+          </a:ln>
+          <a:effectLst/>
+          <a:extLst>
+            <a:ext uri="{909E8E84-426E-40DD-AFC4-6F175D3DCCD1}">
+              <a14:hiddenFill xmlns:a14="http://schemas.microsoft.com/office/drawing/2010/main">
+                <a:solidFill>
+                  <a:schemeClr val="accent1"/>
+                </a:solidFill>
+              </a14:hiddenFill>
+            </a:ext>
+            <a:ext uri="{91240B29-F687-4F45-9708-019B960494DF}">
+              <a14:hiddenLine xmlns:a14="http://schemas.microsoft.com/office/drawing/2010/main" w="9525">
+                <a:solidFill>
+                  <a:schemeClr val="tx1"/>
+                </a:solidFill>
+                <a:miter lim="800000"/>
+                <a:headEnd/>
+                <a:tailEnd/>
+              </a14:hiddenLine>
+            </a:ext>
+            <a:ext uri="{AF507438-7753-43E0-B8FC-AC1667EBCBE1}">
+              <a14:hiddenEffects xmlns:a14="http://schemas.microsoft.com/office/drawing/2010/main">
+                <a:effectLst>
+                  <a:outerShdw dist="35921" dir="2700000" algn="ctr" rotWithShape="0">
+                    <a:schemeClr val="bg2"/>
+                  </a:outerShdw>
+                </a:effectLst>
+              </a14:hiddenEffects>
+            </a:ext>
+          </a:extLst>
+        </p:spPr>
+      </p:pic>
+    </p:spTree>
+    <p:extLst>
+      <p:ext uri="{BB962C8B-B14F-4D97-AF65-F5344CB8AC3E}">
+        <p14:creationId xmlns:p14="http://schemas.microsoft.com/office/powerpoint/2010/main" val="3885498236"/>
+      </p:ext>
+    </p:extLst>
+  </p:cSld>
+  <p:clrMapOvr>
+    <a:masterClrMapping/>
+  </p:clrMapOvr>
+</p:sld>
+</file>
+
+<file path=ppt/slides/slide11.xml><?xml version="1.0" encoding="utf-8"?>
+<p:sld xmlns:a="http://schemas.openxmlformats.org/drawingml/2006/main" xmlns:r="http://schemas.openxmlformats.org/officeDocument/2006/relationships" xmlns:p="http://schemas.openxmlformats.org/presentationml/2006/main">
+  <p:cSld>
+    <p:spTree>
+      <p:nvGrpSpPr>
+        <p:cNvPr id="1" name=""/>
+        <p:cNvGrpSpPr/>
+        <p:nvPr/>
+      </p:nvGrpSpPr>
+      <p:grpSpPr>
+        <a:xfrm>
+          <a:off x="0" y="0"/>
+          <a:ext cx="0" cy="0"/>
+          <a:chOff x="0" y="0"/>
+          <a:chExt cx="0" cy="0"/>
+        </a:xfrm>
+      </p:grpSpPr>
+      <p:sp>
+        <p:nvSpPr>
+          <p:cNvPr id="2" name="标题 1"/>
+          <p:cNvSpPr>
+            <a:spLocks noGrp="1"/>
+          </p:cNvSpPr>
+          <p:nvPr>
+            <p:ph type="title"/>
+          </p:nvPr>
+        </p:nvSpPr>
+        <p:spPr>
+          <a:xfrm>
+            <a:off x="630080" y="288370"/>
+            <a:ext cx="11341418" cy="935816"/>
+          </a:xfrm>
+        </p:spPr>
+        <p:txBody>
+          <a:bodyPr/>
+          <a:lstStyle/>
+          <a:p>
+            <a:pPr algn="l"/>
+            <a:r>
+              <a:rPr lang="en-US" altLang="zh-CN" dirty="0" smtClean="0"/>
+              <a:t>Block Diag</a:t>
+            </a:r>
+            <a:r>
+              <a:rPr lang="en-US" altLang="zh-CN" dirty="0"/>
+              <a:t>ram</a:t>
+            </a:r>
+            <a:endParaRPr lang="zh-CN" altLang="en-US" dirty="0"/>
+          </a:p>
+        </p:txBody>
+      </p:sp>
+      <p:pic>
+        <p:nvPicPr>
+          <p:cNvPr id="5" name="Picture 2"/>
+          <p:cNvPicPr>
+            <a:picLocks noChangeAspect="1" noChangeArrowheads="1"/>
+          </p:cNvPicPr>
+          <p:nvPr/>
+        </p:nvPicPr>
+        <p:blipFill>
+          <a:blip r:embed="rId2">
+            <a:extLst>
+              <a:ext uri="{28A0092B-C50C-407E-A947-70E740481C1C}">
+                <a14:useLocalDpi xmlns:a14="http://schemas.microsoft.com/office/drawing/2010/main" val="0"/>
+              </a:ext>
+            </a:extLst>
+          </a:blip>
+          <a:srcRect/>
+          <a:stretch>
+            <a:fillRect/>
+          </a:stretch>
+        </p:blipFill>
+        <p:spPr bwMode="auto">
+          <a:xfrm>
+            <a:off x="3189288" y="1266825"/>
+            <a:ext cx="6223000" cy="4667250"/>
+          </a:xfrm>
+          <a:prstGeom prst="rect">
+            <a:avLst/>
+          </a:prstGeom>
+          <a:noFill/>
+          <a:ln>
+            <a:noFill/>
+          </a:ln>
+          <a:effectLst/>
+          <a:extLst>
+            <a:ext uri="{909E8E84-426E-40DD-AFC4-6F175D3DCCD1}">
+              <a14:hiddenFill xmlns:a14="http://schemas.microsoft.com/office/drawing/2010/main">
+                <a:solidFill>
+                  <a:schemeClr val="accent1"/>
+                </a:solidFill>
+              </a14:hiddenFill>
+            </a:ext>
+            <a:ext uri="{91240B29-F687-4F45-9708-019B960494DF}">
+              <a14:hiddenLine xmlns:a14="http://schemas.microsoft.com/office/drawing/2010/main" w="9525">
+                <a:solidFill>
+                  <a:schemeClr val="tx1"/>
+                </a:solidFill>
+                <a:miter lim="800000"/>
+                <a:headEnd/>
+                <a:tailEnd/>
+              </a14:hiddenLine>
+            </a:ext>
+            <a:ext uri="{AF507438-7753-43E0-B8FC-AC1667EBCBE1}">
+              <a14:hiddenEffects xmlns:a14="http://schemas.microsoft.com/office/drawing/2010/main">
+                <a:effectLst>
+                  <a:outerShdw dist="35921" dir="2700000" algn="ctr" rotWithShape="0">
+                    <a:schemeClr val="bg2"/>
+                  </a:outerShdw>
+                </a:effectLst>
+              </a14:hiddenEffects>
+            </a:ext>
+          </a:extLst>
+        </p:spPr>
+      </p:pic>
+    </p:spTree>
+    <p:extLst>
+      <p:ext uri="{BB962C8B-B14F-4D97-AF65-F5344CB8AC3E}">
+        <p14:creationId xmlns:p14="http://schemas.microsoft.com/office/powerpoint/2010/main" val="4224225504"/>
+      </p:ext>
+    </p:extLst>
+  </p:cSld>
+  <p:clrMapOvr>
+    <a:masterClrMapping/>
+  </p:clrMapOvr>
+</p:sld>
+</file>
+
+<file path=ppt/slides/slide12.xml><?xml version="1.0" encoding="utf-8"?>
+<p:sld xmlns:a="http://schemas.openxmlformats.org/drawingml/2006/main" xmlns:r="http://schemas.openxmlformats.org/officeDocument/2006/relationships" xmlns:p="http://schemas.openxmlformats.org/presentationml/2006/main">
+  <p:cSld>
+    <p:spTree>
+      <p:nvGrpSpPr>
+        <p:cNvPr id="1" name=""/>
+        <p:cNvGrpSpPr/>
+        <p:nvPr/>
+      </p:nvGrpSpPr>
+      <p:grpSpPr>
+        <a:xfrm>
+          <a:off x="0" y="0"/>
+          <a:ext cx="0" cy="0"/>
+          <a:chOff x="0" y="0"/>
+          <a:chExt cx="0" cy="0"/>
+        </a:xfrm>
+      </p:grpSpPr>
+      <p:sp>
+        <p:nvSpPr>
+          <p:cNvPr id="2" name="标题 1"/>
+          <p:cNvSpPr>
+            <a:spLocks noGrp="1"/>
+          </p:cNvSpPr>
+          <p:nvPr>
+            <p:ph type="title"/>
+          </p:nvPr>
+        </p:nvSpPr>
+        <p:spPr>
+          <a:xfrm>
+            <a:off x="630080" y="288370"/>
+            <a:ext cx="11341418" cy="935816"/>
+          </a:xfrm>
+        </p:spPr>
+        <p:txBody>
+          <a:bodyPr/>
+          <a:lstStyle/>
+          <a:p>
+            <a:pPr algn="l"/>
+            <a:r>
+              <a:rPr lang="en-US" altLang="zh-CN" dirty="0" smtClean="0"/>
+              <a:t>Block Diag</a:t>
+            </a:r>
+            <a:r>
+              <a:rPr lang="en-US" altLang="zh-CN" dirty="0"/>
+              <a:t>ram</a:t>
+            </a:r>
+            <a:endParaRPr lang="zh-CN" altLang="en-US" dirty="0"/>
+          </a:p>
+        </p:txBody>
+      </p:sp>
+      <p:pic>
+        <p:nvPicPr>
+          <p:cNvPr id="5" name="Picture 2"/>
+          <p:cNvPicPr>
+            <a:picLocks noChangeAspect="1" noChangeArrowheads="1"/>
+          </p:cNvPicPr>
+          <p:nvPr/>
+        </p:nvPicPr>
+        <p:blipFill>
+          <a:blip r:embed="rId2">
+            <a:extLst>
+              <a:ext uri="{28A0092B-C50C-407E-A947-70E740481C1C}">
+                <a14:useLocalDpi xmlns:a14="http://schemas.microsoft.com/office/drawing/2010/main" val="0"/>
+              </a:ext>
+            </a:extLst>
+          </a:blip>
+          <a:srcRect/>
+          <a:stretch>
+            <a:fillRect/>
+          </a:stretch>
+        </p:blipFill>
+        <p:spPr bwMode="auto">
+          <a:xfrm>
+            <a:off x="3189288" y="1266825"/>
+            <a:ext cx="6223000" cy="4667250"/>
+          </a:xfrm>
+          <a:prstGeom prst="rect">
+            <a:avLst/>
+          </a:prstGeom>
+          <a:noFill/>
+          <a:ln>
+            <a:noFill/>
+          </a:ln>
+          <a:effectLst/>
+          <a:extLst>
+            <a:ext uri="{909E8E84-426E-40DD-AFC4-6F175D3DCCD1}">
+              <a14:hiddenFill xmlns:a14="http://schemas.microsoft.com/office/drawing/2010/main">
+                <a:solidFill>
+                  <a:schemeClr val="accent1"/>
+                </a:solidFill>
+              </a14:hiddenFill>
+            </a:ext>
+            <a:ext uri="{91240B29-F687-4F45-9708-019B960494DF}">
+              <a14:hiddenLine xmlns:a14="http://schemas.microsoft.com/office/drawing/2010/main" w="9525">
+                <a:solidFill>
+                  <a:schemeClr val="tx1"/>
+                </a:solidFill>
+                <a:miter lim="800000"/>
+                <a:headEnd/>
+                <a:tailEnd/>
+              </a14:hiddenLine>
+            </a:ext>
+            <a:ext uri="{AF507438-7753-43E0-B8FC-AC1667EBCBE1}">
+              <a14:hiddenEffects xmlns:a14="http://schemas.microsoft.com/office/drawing/2010/main">
+                <a:effectLst>
+                  <a:outerShdw dist="35921" dir="2700000" algn="ctr" rotWithShape="0">
+                    <a:schemeClr val="bg2"/>
+                  </a:outerShdw>
+                </a:effectLst>
+              </a14:hiddenEffects>
+            </a:ext>
+          </a:extLst>
+        </p:spPr>
+      </p:pic>
+    </p:spTree>
+    <p:extLst>
+      <p:ext uri="{BB962C8B-B14F-4D97-AF65-F5344CB8AC3E}">
+        <p14:creationId xmlns:p14="http://schemas.microsoft.com/office/powerpoint/2010/main" val="3885498236"/>
+      </p:ext>
+    </p:extLst>
+  </p:cSld>
+  <p:clrMapOvr>
+    <a:masterClrMapping/>
+  </p:clrMapOvr>
+</p:sld>
+</file>
+
+<file path=ppt/slides/slide13.xml><?xml version="1.0" encoding="utf-8"?>
+<p:sld xmlns:a="http://schemas.openxmlformats.org/drawingml/2006/main" xmlns:r="http://schemas.openxmlformats.org/officeDocument/2006/relationships" xmlns:p="http://schemas.openxmlformats.org/presentationml/2006/main">
+  <p:cSld>
+    <p:spTree>
+      <p:nvGrpSpPr>
+        <p:cNvPr id="1" name=""/>
+        <p:cNvGrpSpPr/>
+        <p:nvPr/>
+      </p:nvGrpSpPr>
+      <p:grpSpPr>
+        <a:xfrm>
+          <a:off x="0" y="0"/>
+          <a:ext cx="0" cy="0"/>
+          <a:chOff x="0" y="0"/>
+          <a:chExt cx="0" cy="0"/>
+        </a:xfrm>
+      </p:grpSpPr>
+      <p:sp>
+        <p:nvSpPr>
+          <p:cNvPr id="2" name="标题 1"/>
+          <p:cNvSpPr>
+            <a:spLocks noGrp="1"/>
+          </p:cNvSpPr>
+          <p:nvPr>
+            <p:ph type="title"/>
+          </p:nvPr>
+        </p:nvSpPr>
+        <p:spPr>
+          <a:xfrm>
+            <a:off x="630080" y="288370"/>
+            <a:ext cx="11341418" cy="935816"/>
+          </a:xfrm>
+        </p:spPr>
+        <p:txBody>
+          <a:bodyPr/>
+          <a:lstStyle/>
+          <a:p>
+            <a:pPr algn="l"/>
+            <a:r>
+              <a:rPr lang="en-US" altLang="zh-CN" dirty="0" smtClean="0"/>
+              <a:t>Block Diag</a:t>
+            </a:r>
+            <a:r>
+              <a:rPr lang="en-US" altLang="zh-CN" dirty="0"/>
+              <a:t>ram</a:t>
+            </a:r>
+            <a:endParaRPr lang="zh-CN" altLang="en-US" dirty="0"/>
+          </a:p>
+        </p:txBody>
+      </p:sp>
+      <p:pic>
+        <p:nvPicPr>
+          <p:cNvPr id="5" name="Picture 2"/>
+          <p:cNvPicPr>
+            <a:picLocks noChangeAspect="1" noChangeArrowheads="1"/>
+          </p:cNvPicPr>
+          <p:nvPr/>
+        </p:nvPicPr>
+        <p:blipFill>
+          <a:blip r:embed="rId2">
+            <a:extLst>
+              <a:ext uri="{28A0092B-C50C-407E-A947-70E740481C1C}">
+                <a14:useLocalDpi xmlns:a14="http://schemas.microsoft.com/office/drawing/2010/main" val="0"/>
+              </a:ext>
+            </a:extLst>
+          </a:blip>
+          <a:srcRect/>
+          <a:stretch>
+            <a:fillRect/>
+          </a:stretch>
+        </p:blipFill>
+        <p:spPr bwMode="auto">
+          <a:xfrm>
+            <a:off x="3189288" y="1266825"/>
+            <a:ext cx="6223000" cy="4667250"/>
+          </a:xfrm>
+          <a:prstGeom prst="rect">
+            <a:avLst/>
+          </a:prstGeom>
+          <a:noFill/>
+          <a:ln>
+            <a:noFill/>
+          </a:ln>
+          <a:effectLst/>
+          <a:extLst>
+            <a:ext uri="{909E8E84-426E-40DD-AFC4-6F175D3DCCD1}">
+              <a14:hiddenFill xmlns:a14="http://schemas.microsoft.com/office/drawing/2010/main">
+                <a:solidFill>
+                  <a:schemeClr val="accent1"/>
+                </a:solidFill>
+              </a14:hiddenFill>
+            </a:ext>
+            <a:ext uri="{91240B29-F687-4F45-9708-019B960494DF}">
+              <a14:hiddenLine xmlns:a14="http://schemas.microsoft.com/office/drawing/2010/main" w="9525">
+                <a:solidFill>
+                  <a:schemeClr val="tx1"/>
+                </a:solidFill>
+                <a:miter lim="800000"/>
+                <a:headEnd/>
+                <a:tailEnd/>
+              </a14:hiddenLine>
+            </a:ext>
+            <a:ext uri="{AF507438-7753-43E0-B8FC-AC1667EBCBE1}">
+              <a14:hiddenEffects xmlns:a14="http://schemas.microsoft.com/office/drawing/2010/main">
+                <a:effectLst>
+                  <a:outerShdw dist="35921" dir="2700000" algn="ctr" rotWithShape="0">
+                    <a:schemeClr val="bg2"/>
+                  </a:outerShdw>
+                </a:effectLst>
+              </a14:hiddenEffects>
+            </a:ext>
+          </a:extLst>
+        </p:spPr>
+      </p:pic>
+    </p:spTree>
+    <p:extLst>
+      <p:ext uri="{BB962C8B-B14F-4D97-AF65-F5344CB8AC3E}">
+        <p14:creationId xmlns:p14="http://schemas.microsoft.com/office/powerpoint/2010/main" val="4224225504"/>
+      </p:ext>
+    </p:extLst>
+  </p:cSld>
+  <p:clrMapOvr>
+    <a:masterClrMapping/>
+  </p:clrMapOvr>
+</p:sld>
+</file>
+
+<file path=ppt/slides/slide14.xml><?xml version="1.0" encoding="utf-8"?>
+<p:sld xmlns:a="http://schemas.openxmlformats.org/drawingml/2006/main" xmlns:r="http://schemas.openxmlformats.org/officeDocument/2006/relationships" xmlns:p="http://schemas.openxmlformats.org/presentationml/2006/main">
+  <p:cSld>
+    <p:spTree>
+      <p:nvGrpSpPr>
+        <p:cNvPr id="1" name=""/>
+        <p:cNvGrpSpPr/>
+        <p:nvPr/>
+      </p:nvGrpSpPr>
+      <p:grpSpPr>
+        <a:xfrm>
+          <a:off x="0" y="0"/>
+          <a:ext cx="0" cy="0"/>
+          <a:chOff x="0" y="0"/>
+          <a:chExt cx="0" cy="0"/>
+        </a:xfrm>
+      </p:grpSpPr>
+      <p:sp>
+        <p:nvSpPr>
+          <p:cNvPr id="2" name="标题 1"/>
+          <p:cNvSpPr>
+            <a:spLocks noGrp="1"/>
+          </p:cNvSpPr>
+          <p:nvPr>
+            <p:ph type="title"/>
+          </p:nvPr>
+        </p:nvSpPr>
+        <p:spPr>
+          <a:xfrm>
+            <a:off x="630080" y="288370"/>
+            <a:ext cx="11341418" cy="935816"/>
+          </a:xfrm>
+        </p:spPr>
+        <p:txBody>
+          <a:bodyPr/>
+          <a:lstStyle/>
+          <a:p>
+            <a:pPr algn="l"/>
+            <a:r>
+              <a:rPr lang="en-US" altLang="zh-CN" dirty="0" smtClean="0"/>
+              <a:t>Block Diag</a:t>
+            </a:r>
+            <a:r>
+              <a:rPr lang="en-US" altLang="zh-CN" dirty="0"/>
+              <a:t>ram</a:t>
+            </a:r>
+            <a:endParaRPr lang="zh-CN" altLang="en-US" dirty="0"/>
+          </a:p>
+        </p:txBody>
+      </p:sp>
+      <p:pic>
+        <p:nvPicPr>
+          <p:cNvPr id="5" name="Picture 2"/>
+          <p:cNvPicPr>
+            <a:picLocks noChangeAspect="1" noChangeArrowheads="1"/>
+          </p:cNvPicPr>
+          <p:nvPr/>
+        </p:nvPicPr>
+        <p:blipFill>
+          <a:blip r:embed="rId2">
+            <a:extLst>
+              <a:ext uri="{28A0092B-C50C-407E-A947-70E740481C1C}">
+                <a14:useLocalDpi xmlns:a14="http://schemas.microsoft.com/office/drawing/2010/main" val="0"/>
+              </a:ext>
+            </a:extLst>
+          </a:blip>
+          <a:srcRect/>
+          <a:stretch>
+            <a:fillRect/>
+          </a:stretch>
+        </p:blipFill>
+        <p:spPr bwMode="auto">
+          <a:xfrm>
+            <a:off x="3189288" y="1266825"/>
+            <a:ext cx="6223000" cy="4667250"/>
+          </a:xfrm>
+          <a:prstGeom prst="rect">
+            <a:avLst/>
+          </a:prstGeom>
+          <a:noFill/>
+          <a:ln>
+            <a:noFill/>
+          </a:ln>
+          <a:effectLst/>
+          <a:extLst>
+            <a:ext uri="{909E8E84-426E-40DD-AFC4-6F175D3DCCD1}">
+              <a14:hiddenFill xmlns:a14="http://schemas.microsoft.com/office/drawing/2010/main">
+                <a:solidFill>
+                  <a:schemeClr val="accent1"/>
+                </a:solidFill>
+              </a14:hiddenFill>
+            </a:ext>
+            <a:ext uri="{91240B29-F687-4F45-9708-019B960494DF}">
+              <a14:hiddenLine xmlns:a14="http://schemas.microsoft.com/office/drawing/2010/main" w="9525">
+                <a:solidFill>
+                  <a:schemeClr val="tx1"/>
+                </a:solidFill>
+                <a:miter lim="800000"/>
+                <a:headEnd/>
+                <a:tailEnd/>
+              </a14:hiddenLine>
+            </a:ext>
+            <a:ext uri="{AF507438-7753-43E0-B8FC-AC1667EBCBE1}">
+              <a14:hiddenEffects xmlns:a14="http://schemas.microsoft.com/office/drawing/2010/main">
+                <a:effectLst>
+                  <a:outerShdw dist="35921" dir="2700000" algn="ctr" rotWithShape="0">
+                    <a:schemeClr val="bg2"/>
+                  </a:outerShdw>
+                </a:effectLst>
+              </a14:hiddenEffects>
+            </a:ext>
+          </a:extLst>
+        </p:spPr>
+      </p:pic>
+    </p:spTree>
+    <p:extLst>
+      <p:ext uri="{BB962C8B-B14F-4D97-AF65-F5344CB8AC3E}">
+        <p14:creationId xmlns:p14="http://schemas.microsoft.com/office/powerpoint/2010/main" val="3787961101"/>
+      </p:ext>
+    </p:extLst>
+  </p:cSld>
+  <p:clrMapOvr>
+    <a:masterClrMapping/>
+  </p:clrMapOvr>
+</p:sld>
+</file>
+
+<file path=ppt/slides/slide2.xml><?xml version="1.0" encoding="utf-8"?>
+<p:sld xmlns:a="http://schemas.openxmlformats.org/drawingml/2006/main" xmlns:r="http://schemas.openxmlformats.org/officeDocument/2006/relationships" xmlns:p="http://schemas.openxmlformats.org/presentationml/2006/main">
+  <p:cSld>
+    <p:spTree>
+      <p:nvGrpSpPr>
+        <p:cNvPr id="1" name=""/>
+        <p:cNvGrpSpPr/>
+        <p:nvPr/>
+      </p:nvGrpSpPr>
+      <p:grpSpPr>
+        <a:xfrm>
+          <a:off x="0" y="0"/>
+          <a:ext cx="0" cy="0"/>
+          <a:chOff x="0" y="0"/>
+          <a:chExt cx="0" cy="0"/>
+        </a:xfrm>
+      </p:grpSpPr>
+      <p:pic>
+        <p:nvPicPr>
+          <p:cNvPr id="1028" name="Picture 4"/>
+          <p:cNvPicPr>
+            <a:picLocks noChangeAspect="1" noChangeArrowheads="1"/>
+          </p:cNvPicPr>
+          <p:nvPr/>
+        </p:nvPicPr>
+        <p:blipFill>
+          <a:blip r:embed="rId2">
+            <a:extLst>
+              <a:ext uri="{28A0092B-C50C-407E-A947-70E740481C1C}">
+                <a14:useLocalDpi xmlns:a14="http://schemas.microsoft.com/office/drawing/2010/main" val="0"/>
+              </a:ext>
+            </a:extLst>
+          </a:blip>
+          <a:srcRect/>
+          <a:stretch>
+            <a:fillRect/>
+          </a:stretch>
+        </p:blipFill>
+        <p:spPr bwMode="auto">
+          <a:xfrm>
+            <a:off x="1404243" y="5485267"/>
+            <a:ext cx="10521950" cy="1682750"/>
+          </a:xfrm>
+          <a:prstGeom prst="rect">
+            <a:avLst/>
+          </a:prstGeom>
+          <a:noFill/>
+          <a:ln>
+            <a:noFill/>
+          </a:ln>
+          <a:effectLst/>
+          <a:extLst>
+            <a:ext uri="{909E8E84-426E-40DD-AFC4-6F175D3DCCD1}">
+              <a14:hiddenFill xmlns:a14="http://schemas.microsoft.com/office/drawing/2010/main">
+                <a:solidFill>
+                  <a:schemeClr val="accent1"/>
+                </a:solidFill>
+              </a14:hiddenFill>
+            </a:ext>
+            <a:ext uri="{91240B29-F687-4F45-9708-019B960494DF}">
+              <a14:hiddenLine xmlns:a14="http://schemas.microsoft.com/office/drawing/2010/main" w="9525">
+                <a:solidFill>
+                  <a:schemeClr val="tx1"/>
+                </a:solidFill>
+                <a:miter lim="800000"/>
+                <a:headEnd/>
+                <a:tailEnd/>
+              </a14:hiddenLine>
+            </a:ext>
+            <a:ext uri="{AF507438-7753-43E0-B8FC-AC1667EBCBE1}">
+              <a14:hiddenEffects xmlns:a14="http://schemas.microsoft.com/office/drawing/2010/main">
+                <a:effectLst>
+                  <a:outerShdw dist="35921" dir="2700000" algn="ctr" rotWithShape="0">
+                    <a:schemeClr val="bg2"/>
+                  </a:outerShdw>
+                </a:effectLst>
+              </a14:hiddenEffects>
+            </a:ext>
+          </a:extLst>
+        </p:spPr>
+      </p:pic>
+      <p:sp>
+        <p:nvSpPr>
+          <p:cNvPr id="2" name="标题 1"/>
+          <p:cNvSpPr>
+            <a:spLocks noGrp="1"/>
+          </p:cNvSpPr>
+          <p:nvPr>
+            <p:ph type="title"/>
+          </p:nvPr>
+        </p:nvSpPr>
+        <p:spPr>
+          <a:xfrm>
+            <a:off x="630080" y="288370"/>
+            <a:ext cx="11341418" cy="935816"/>
+          </a:xfrm>
+        </p:spPr>
+        <p:txBody>
+          <a:bodyPr/>
+          <a:lstStyle/>
+          <a:p>
+            <a:pPr algn="l"/>
+            <a:r>
+              <a:rPr lang="en-US" altLang="zh-CN" dirty="0" smtClean="0"/>
+              <a:t>Basic Features</a:t>
+            </a:r>
+            <a:endParaRPr lang="zh-CN" altLang="en-US" dirty="0"/>
+          </a:p>
+        </p:txBody>
+      </p:sp>
+      <p:pic>
+        <p:nvPicPr>
+          <p:cNvPr id="1026" name="Picture 2"/>
+          <p:cNvPicPr>
+            <a:picLocks noChangeAspect="1" noChangeArrowheads="1"/>
+          </p:cNvPicPr>
+          <p:nvPr/>
+        </p:nvPicPr>
+        <p:blipFill>
+          <a:blip r:embed="rId3">
+            <a:extLst>
+              <a:ext uri="{28A0092B-C50C-407E-A947-70E740481C1C}">
+                <a14:useLocalDpi xmlns:a14="http://schemas.microsoft.com/office/drawing/2010/main" val="0"/>
+              </a:ext>
+            </a:extLst>
+          </a:blip>
+          <a:srcRect/>
+          <a:stretch>
+            <a:fillRect/>
+          </a:stretch>
+        </p:blipFill>
+        <p:spPr bwMode="auto">
+          <a:xfrm>
+            <a:off x="167050" y="1224186"/>
+            <a:ext cx="5616624" cy="4702121"/>
+          </a:xfrm>
+          <a:prstGeom prst="rect">
+            <a:avLst/>
+          </a:prstGeom>
+          <a:noFill/>
+          <a:ln>
+            <a:noFill/>
+          </a:ln>
+          <a:effectLst/>
+          <a:extLst>
+            <a:ext uri="{909E8E84-426E-40DD-AFC4-6F175D3DCCD1}">
+              <a14:hiddenFill xmlns:a14="http://schemas.microsoft.com/office/drawing/2010/main">
+                <a:solidFill>
+                  <a:schemeClr val="accent1"/>
+                </a:solidFill>
+              </a14:hiddenFill>
+            </a:ext>
+            <a:ext uri="{91240B29-F687-4F45-9708-019B960494DF}">
+              <a14:hiddenLine xmlns:a14="http://schemas.microsoft.com/office/drawing/2010/main" w="9525">
+                <a:solidFill>
+                  <a:schemeClr val="tx1"/>
+                </a:solidFill>
+                <a:miter lim="800000"/>
+                <a:headEnd/>
+                <a:tailEnd/>
+              </a14:hiddenLine>
+            </a:ext>
+            <a:ext uri="{AF507438-7753-43E0-B8FC-AC1667EBCBE1}">
+              <a14:hiddenEffects xmlns:a14="http://schemas.microsoft.com/office/drawing/2010/main">
+                <a:effectLst>
+                  <a:outerShdw dist="35921" dir="2700000" algn="ctr" rotWithShape="0">
+                    <a:schemeClr val="bg2"/>
+                  </a:outerShdw>
+                </a:effectLst>
+              </a14:hiddenEffects>
+            </a:ext>
+          </a:extLst>
+        </p:spPr>
+      </p:pic>
+      <p:pic>
+        <p:nvPicPr>
+          <p:cNvPr id="1027" name="Picture 3"/>
+          <p:cNvPicPr>
+            <a:picLocks noChangeAspect="1" noChangeArrowheads="1"/>
+          </p:cNvPicPr>
+          <p:nvPr/>
+        </p:nvPicPr>
+        <p:blipFill>
+          <a:blip r:embed="rId4">
+            <a:extLst>
+              <a:ext uri="{28A0092B-C50C-407E-A947-70E740481C1C}">
+                <a14:useLocalDpi xmlns:a14="http://schemas.microsoft.com/office/drawing/2010/main" val="0"/>
+              </a:ext>
+            </a:extLst>
+          </a:blip>
+          <a:srcRect/>
+          <a:stretch>
+            <a:fillRect/>
+          </a:stretch>
+        </p:blipFill>
+        <p:spPr bwMode="auto">
+          <a:xfrm>
+            <a:off x="5783674" y="1355585"/>
+            <a:ext cx="4151312" cy="1492250"/>
+          </a:xfrm>
+          <a:prstGeom prst="rect">
+            <a:avLst/>
+          </a:prstGeom>
+          <a:noFill/>
+          <a:ln>
+            <a:noFill/>
+          </a:ln>
+          <a:effectLst/>
+          <a:extLst>
+            <a:ext uri="{909E8E84-426E-40DD-AFC4-6F175D3DCCD1}">
+              <a14:hiddenFill xmlns:a14="http://schemas.microsoft.com/office/drawing/2010/main">
+                <a:solidFill>
+                  <a:schemeClr val="accent1"/>
+                </a:solidFill>
+              </a14:hiddenFill>
+            </a:ext>
+            <a:ext uri="{91240B29-F687-4F45-9708-019B960494DF}">
+              <a14:hiddenLine xmlns:a14="http://schemas.microsoft.com/office/drawing/2010/main" w="9525">
+                <a:solidFill>
+                  <a:schemeClr val="tx1"/>
+                </a:solidFill>
+                <a:miter lim="800000"/>
+                <a:headEnd/>
+                <a:tailEnd/>
+              </a14:hiddenLine>
+            </a:ext>
+            <a:ext uri="{AF507438-7753-43E0-B8FC-AC1667EBCBE1}">
+              <a14:hiddenEffects xmlns:a14="http://schemas.microsoft.com/office/drawing/2010/main">
+                <a:effectLst>
+                  <a:outerShdw dist="35921" dir="2700000" algn="ctr" rotWithShape="0">
+                    <a:schemeClr val="bg2"/>
+                  </a:outerShdw>
+                </a:effectLst>
+              </a14:hiddenEffects>
+            </a:ext>
+          </a:extLst>
+        </p:spPr>
+      </p:pic>
+    </p:spTree>
+    <p:extLst>
+      <p:ext uri="{BB962C8B-B14F-4D97-AF65-F5344CB8AC3E}">
+        <p14:creationId xmlns:p14="http://schemas.microsoft.com/office/powerpoint/2010/main" val="2000792999"/>
+      </p:ext>
+    </p:extLst>
+  </p:cSld>
+  <p:clrMapOvr>
+    <a:masterClrMapping/>
+  </p:clrMapOvr>
+</p:sld>
+</file>
+
+<file path=ppt/slides/slide3.xml><?xml version="1.0" encoding="utf-8"?>
+<p:sld xmlns:a="http://schemas.openxmlformats.org/drawingml/2006/main" xmlns:r="http://schemas.openxmlformats.org/officeDocument/2006/relationships" xmlns:p="http://schemas.openxmlformats.org/presentationml/2006/main">
+  <p:cSld>
+    <p:spTree>
+      <p:nvGrpSpPr>
+        <p:cNvPr id="1" name=""/>
+        <p:cNvGrpSpPr/>
+        <p:nvPr/>
+      </p:nvGrpSpPr>
+      <p:grpSpPr>
+        <a:xfrm>
+          <a:off x="0" y="0"/>
+          <a:ext cx="0" cy="0"/>
+          <a:chOff x="0" y="0"/>
+          <a:chExt cx="0" cy="0"/>
+        </a:xfrm>
+      </p:grpSpPr>
+      <p:sp>
+        <p:nvSpPr>
+          <p:cNvPr id="2" name="标题 1"/>
+          <p:cNvSpPr>
+            <a:spLocks noGrp="1"/>
+          </p:cNvSpPr>
+          <p:nvPr>
+            <p:ph type="title"/>
+          </p:nvPr>
+        </p:nvSpPr>
+        <p:spPr>
+          <a:xfrm>
+            <a:off x="630080" y="288370"/>
+            <a:ext cx="11341418" cy="935816"/>
+          </a:xfrm>
+        </p:spPr>
+        <p:txBody>
+          <a:bodyPr/>
+          <a:lstStyle/>
+          <a:p>
+            <a:pPr algn="l"/>
+            <a:r>
+              <a:rPr lang="en-US" altLang="zh-CN" dirty="0" smtClean="0"/>
+              <a:t>Functional Block Diag</a:t>
+            </a:r>
+            <a:r>
+              <a:rPr lang="en-US" altLang="zh-CN" dirty="0"/>
+              <a:t>ram</a:t>
+            </a:r>
+            <a:endParaRPr lang="zh-CN" altLang="en-US" dirty="0"/>
+          </a:p>
+        </p:txBody>
+      </p:sp>
+      <p:pic>
+        <p:nvPicPr>
+          <p:cNvPr id="5" name="Picture 2"/>
+          <p:cNvPicPr>
+            <a:picLocks noChangeAspect="1" noChangeArrowheads="1"/>
+          </p:cNvPicPr>
+          <p:nvPr/>
+        </p:nvPicPr>
+        <p:blipFill>
+          <a:blip r:embed="rId2">
+            <a:extLst>
+              <a:ext uri="{28A0092B-C50C-407E-A947-70E740481C1C}">
+                <a14:useLocalDpi xmlns:a14="http://schemas.microsoft.com/office/drawing/2010/main" val="0"/>
+              </a:ext>
+            </a:extLst>
+          </a:blip>
+          <a:srcRect/>
+          <a:stretch>
+            <a:fillRect/>
+          </a:stretch>
+        </p:blipFill>
+        <p:spPr bwMode="auto">
+          <a:xfrm>
+            <a:off x="3189287" y="1266824"/>
+            <a:ext cx="7720012" cy="5790009"/>
+          </a:xfrm>
+          <a:prstGeom prst="rect">
+            <a:avLst/>
+          </a:prstGeom>
+          <a:noFill/>
+          <a:ln>
+            <a:noFill/>
+          </a:ln>
+          <a:effectLst/>
+          <a:extLst>
+            <a:ext uri="{909E8E84-426E-40DD-AFC4-6F175D3DCCD1}">
+              <a14:hiddenFill xmlns:a14="http://schemas.microsoft.com/office/drawing/2010/main">
+                <a:solidFill>
+                  <a:schemeClr val="accent1"/>
+                </a:solidFill>
+              </a14:hiddenFill>
+            </a:ext>
+            <a:ext uri="{91240B29-F687-4F45-9708-019B960494DF}">
+              <a14:hiddenLine xmlns:a14="http://schemas.microsoft.com/office/drawing/2010/main" w="9525">
+                <a:solidFill>
+                  <a:schemeClr val="tx1"/>
+                </a:solidFill>
+                <a:miter lim="800000"/>
+                <a:headEnd/>
+                <a:tailEnd/>
+              </a14:hiddenLine>
+            </a:ext>
+            <a:ext uri="{AF507438-7753-43E0-B8FC-AC1667EBCBE1}">
+              <a14:hiddenEffects xmlns:a14="http://schemas.microsoft.com/office/drawing/2010/main">
+                <a:effectLst>
+                  <a:outerShdw dist="35921" dir="2700000" algn="ctr" rotWithShape="0">
+                    <a:schemeClr val="bg2"/>
+                  </a:outerShdw>
+                </a:effectLst>
+              </a14:hiddenEffects>
+            </a:ext>
+          </a:extLst>
+        </p:spPr>
+      </p:pic>
+    </p:spTree>
+    <p:extLst>
+      <p:ext uri="{BB962C8B-B14F-4D97-AF65-F5344CB8AC3E}">
+        <p14:creationId xmlns:p14="http://schemas.microsoft.com/office/powerpoint/2010/main" val="2520667754"/>
+      </p:ext>
+    </p:extLst>
+  </p:cSld>
+  <p:clrMapOvr>
+    <a:masterClrMapping/>
+  </p:clrMapOvr>
+</p:sld>
+</file>
+
+<file path=ppt/slides/slide4.xml><?xml version="1.0" encoding="utf-8"?>
+<p:sld xmlns:a="http://schemas.openxmlformats.org/drawingml/2006/main" xmlns:r="http://schemas.openxmlformats.org/officeDocument/2006/relationships" xmlns:p="http://schemas.openxmlformats.org/presentationml/2006/main">
+  <p:cSld>
+    <p:spTree>
+      <p:nvGrpSpPr>
+        <p:cNvPr id="1" name=""/>
+        <p:cNvGrpSpPr/>
+        <p:nvPr/>
+      </p:nvGrpSpPr>
+      <p:grpSpPr>
+        <a:xfrm>
+          <a:off x="0" y="0"/>
+          <a:ext cx="0" cy="0"/>
+          <a:chOff x="0" y="0"/>
+          <a:chExt cx="0" cy="0"/>
+        </a:xfrm>
+      </p:grpSpPr>
+      <p:sp>
+        <p:nvSpPr>
+          <p:cNvPr id="2" name="标题 1"/>
+          <p:cNvSpPr>
+            <a:spLocks noGrp="1"/>
+          </p:cNvSpPr>
+          <p:nvPr>
+            <p:ph type="title"/>
+          </p:nvPr>
+        </p:nvSpPr>
+        <p:spPr>
+          <a:xfrm>
+            <a:off x="630080" y="288370"/>
+            <a:ext cx="11341418" cy="935816"/>
+          </a:xfrm>
+        </p:spPr>
+        <p:txBody>
+          <a:bodyPr/>
+          <a:lstStyle/>
+          <a:p>
+            <a:pPr algn="l"/>
+            <a:r>
+              <a:rPr lang="en-US" altLang="zh-CN" dirty="0" smtClean="0"/>
+              <a:t>LVDS Data Output Timing</a:t>
+            </a:r>
+            <a:endParaRPr lang="zh-CN" altLang="en-US" dirty="0"/>
+          </a:p>
+        </p:txBody>
+      </p:sp>
+      <p:pic>
+        <p:nvPicPr>
+          <p:cNvPr id="3074" name="Picture 2"/>
+          <p:cNvPicPr>
+            <a:picLocks noChangeAspect="1" noChangeArrowheads="1"/>
+          </p:cNvPicPr>
+          <p:nvPr/>
+        </p:nvPicPr>
+        <p:blipFill>
+          <a:blip r:embed="rId2">
+            <a:extLst>
+              <a:ext uri="{28A0092B-C50C-407E-A947-70E740481C1C}">
+                <a14:useLocalDpi xmlns:a14="http://schemas.microsoft.com/office/drawing/2010/main" val="0"/>
+              </a:ext>
+            </a:extLst>
+          </a:blip>
+          <a:srcRect/>
+          <a:stretch>
+            <a:fillRect/>
+          </a:stretch>
+        </p:blipFill>
+        <p:spPr bwMode="auto">
+          <a:xfrm>
+            <a:off x="109295" y="1365250"/>
+            <a:ext cx="12320588" cy="5835650"/>
+          </a:xfrm>
+          <a:prstGeom prst="rect">
+            <a:avLst/>
+          </a:prstGeom>
+          <a:noFill/>
+          <a:ln>
+            <a:noFill/>
+          </a:ln>
+          <a:effectLst/>
+          <a:extLst>
+            <a:ext uri="{909E8E84-426E-40DD-AFC4-6F175D3DCCD1}">
+              <a14:hiddenFill xmlns:a14="http://schemas.microsoft.com/office/drawing/2010/main">
+                <a:solidFill>
+                  <a:schemeClr val="accent1"/>
+                </a:solidFill>
+              </a14:hiddenFill>
+            </a:ext>
+            <a:ext uri="{91240B29-F687-4F45-9708-019B960494DF}">
+              <a14:hiddenLine xmlns:a14="http://schemas.microsoft.com/office/drawing/2010/main" w="9525">
+                <a:solidFill>
+                  <a:schemeClr val="tx1"/>
+                </a:solidFill>
+                <a:miter lim="800000"/>
+                <a:headEnd/>
+                <a:tailEnd/>
+              </a14:hiddenLine>
+            </a:ext>
+            <a:ext uri="{AF507438-7753-43E0-B8FC-AC1667EBCBE1}">
+              <a14:hiddenEffects xmlns:a14="http://schemas.microsoft.com/office/drawing/2010/main">
+                <a:effectLst>
+                  <a:outerShdw dist="35921" dir="2700000" algn="ctr" rotWithShape="0">
+                    <a:schemeClr val="bg2"/>
+                  </a:outerShdw>
+                </a:effectLst>
+              </a14:hiddenEffects>
+            </a:ext>
+          </a:extLst>
+        </p:spPr>
+      </p:pic>
+    </p:spTree>
+    <p:extLst>
+      <p:ext uri="{BB962C8B-B14F-4D97-AF65-F5344CB8AC3E}">
+        <p14:creationId xmlns:p14="http://schemas.microsoft.com/office/powerpoint/2010/main" val="2106345226"/>
+      </p:ext>
+    </p:extLst>
+  </p:cSld>
+  <p:clrMapOvr>
+    <a:masterClrMapping/>
+  </p:clrMapOvr>
+</p:sld>
+</file>
+
+<file path=ppt/slides/slide5.xml><?xml version="1.0" encoding="utf-8"?>
+<p:sld xmlns:a="http://schemas.openxmlformats.org/drawingml/2006/main" xmlns:r="http://schemas.openxmlformats.org/officeDocument/2006/relationships" xmlns:p="http://schemas.openxmlformats.org/presentationml/2006/main">
+  <p:cSld>
+    <p:spTree>
+      <p:nvGrpSpPr>
+        <p:cNvPr id="1" name=""/>
+        <p:cNvGrpSpPr/>
+        <p:nvPr/>
+      </p:nvGrpSpPr>
+      <p:grpSpPr>
+        <a:xfrm>
+          <a:off x="0" y="0"/>
+          <a:ext cx="0" cy="0"/>
+          <a:chOff x="0" y="0"/>
+          <a:chExt cx="0" cy="0"/>
+        </a:xfrm>
+      </p:grpSpPr>
+      <p:sp>
+        <p:nvSpPr>
+          <p:cNvPr id="2" name="标题 1"/>
+          <p:cNvSpPr>
+            <a:spLocks noGrp="1"/>
+          </p:cNvSpPr>
+          <p:nvPr>
+            <p:ph type="title"/>
+          </p:nvPr>
+        </p:nvSpPr>
+        <p:spPr>
+          <a:xfrm>
+            <a:off x="630080" y="288370"/>
+            <a:ext cx="11341418" cy="935816"/>
+          </a:xfrm>
+        </p:spPr>
+        <p:txBody>
+          <a:bodyPr/>
+          <a:lstStyle/>
+          <a:p>
+            <a:pPr algn="l"/>
+            <a:r>
+              <a:rPr lang="en-US" altLang="zh-CN" dirty="0" smtClean="0"/>
+              <a:t>CMOS Switching Timing</a:t>
+            </a:r>
+            <a:endParaRPr lang="zh-CN" altLang="en-US" dirty="0"/>
+          </a:p>
+        </p:txBody>
+      </p:sp>
+      <p:pic>
+        <p:nvPicPr>
+          <p:cNvPr id="4098" name="Picture 2"/>
+          <p:cNvPicPr>
+            <a:picLocks noChangeAspect="1" noChangeArrowheads="1"/>
+          </p:cNvPicPr>
+          <p:nvPr/>
+        </p:nvPicPr>
+        <p:blipFill>
+          <a:blip r:embed="rId2">
+            <a:extLst>
+              <a:ext uri="{28A0092B-C50C-407E-A947-70E740481C1C}">
+                <a14:useLocalDpi xmlns:a14="http://schemas.microsoft.com/office/drawing/2010/main" val="0"/>
+              </a:ext>
+            </a:extLst>
+          </a:blip>
+          <a:srcRect/>
+          <a:stretch>
+            <a:fillRect/>
+          </a:stretch>
+        </p:blipFill>
+        <p:spPr bwMode="auto">
+          <a:xfrm>
+            <a:off x="2081213" y="2016125"/>
+            <a:ext cx="8439150" cy="3168650"/>
+          </a:xfrm>
+          <a:prstGeom prst="rect">
+            <a:avLst/>
+          </a:prstGeom>
+          <a:noFill/>
+          <a:ln>
+            <a:noFill/>
+          </a:ln>
+          <a:effectLst/>
+          <a:extLst>
+            <a:ext uri="{909E8E84-426E-40DD-AFC4-6F175D3DCCD1}">
+              <a14:hiddenFill xmlns:a14="http://schemas.microsoft.com/office/drawing/2010/main">
+                <a:solidFill>
+                  <a:schemeClr val="accent1"/>
+                </a:solidFill>
+              </a14:hiddenFill>
+            </a:ext>
+            <a:ext uri="{91240B29-F687-4F45-9708-019B960494DF}">
+              <a14:hiddenLine xmlns:a14="http://schemas.microsoft.com/office/drawing/2010/main" w="9525">
+                <a:solidFill>
+                  <a:schemeClr val="tx1"/>
+                </a:solidFill>
+                <a:miter lim="800000"/>
+                <a:headEnd/>
+                <a:tailEnd/>
+              </a14:hiddenLine>
+            </a:ext>
+            <a:ext uri="{AF507438-7753-43E0-B8FC-AC1667EBCBE1}">
+              <a14:hiddenEffects xmlns:a14="http://schemas.microsoft.com/office/drawing/2010/main">
+                <a:effectLst>
+                  <a:outerShdw dist="35921" dir="2700000" algn="ctr" rotWithShape="0">
+                    <a:schemeClr val="bg2"/>
+                  </a:outerShdw>
+                </a:effectLst>
+              </a14:hiddenEffects>
+            </a:ext>
+          </a:extLst>
+        </p:spPr>
+      </p:pic>
+    </p:spTree>
+    <p:extLst>
+      <p:ext uri="{BB962C8B-B14F-4D97-AF65-F5344CB8AC3E}">
+        <p14:creationId xmlns:p14="http://schemas.microsoft.com/office/powerpoint/2010/main" val="2221643126"/>
+      </p:ext>
+    </p:extLst>
+  </p:cSld>
+  <p:clrMapOvr>
+    <a:masterClrMapping/>
+  </p:clrMapOvr>
+</p:sld>
+</file>
+
+<file path=ppt/slides/slide6.xml><?xml version="1.0" encoding="utf-8"?>
+<p:sld xmlns:a="http://schemas.openxmlformats.org/drawingml/2006/main" xmlns:r="http://schemas.openxmlformats.org/officeDocument/2006/relationships" xmlns:p="http://schemas.openxmlformats.org/presentationml/2006/main">
+  <p:cSld>
+    <p:spTree>
+      <p:nvGrpSpPr>
+        <p:cNvPr id="1" name=""/>
+        <p:cNvGrpSpPr/>
+        <p:nvPr/>
+      </p:nvGrpSpPr>
+      <p:grpSpPr>
+        <a:xfrm>
+          <a:off x="0" y="0"/>
+          <a:ext cx="0" cy="0"/>
+          <a:chOff x="0" y="0"/>
+          <a:chExt cx="0" cy="0"/>
+        </a:xfrm>
+      </p:grpSpPr>
+      <p:sp>
+        <p:nvSpPr>
+          <p:cNvPr id="2" name="标题 1"/>
+          <p:cNvSpPr>
+            <a:spLocks noGrp="1"/>
+          </p:cNvSpPr>
+          <p:nvPr>
+            <p:ph type="title"/>
+          </p:nvPr>
+        </p:nvSpPr>
+        <p:spPr>
+          <a:xfrm>
+            <a:off x="630080" y="288370"/>
+            <a:ext cx="11341418" cy="935816"/>
+          </a:xfrm>
+        </p:spPr>
+        <p:txBody>
+          <a:bodyPr/>
+          <a:lstStyle/>
+          <a:p>
+            <a:pPr algn="l"/>
+            <a:r>
+              <a:rPr lang="en-US" altLang="zh-CN" dirty="0" smtClean="0"/>
+              <a:t>Optical Filter</a:t>
+            </a:r>
+            <a:endParaRPr lang="zh-CN" altLang="en-US" dirty="0"/>
+          </a:p>
+        </p:txBody>
+      </p:sp>
+      <p:pic>
+        <p:nvPicPr>
+          <p:cNvPr id="5122" name="Picture 2"/>
+          <p:cNvPicPr>
+            <a:picLocks noChangeAspect="1" noChangeArrowheads="1"/>
+          </p:cNvPicPr>
+          <p:nvPr/>
+        </p:nvPicPr>
+        <p:blipFill>
+          <a:blip r:embed="rId2">
+            <a:extLst>
+              <a:ext uri="{28A0092B-C50C-407E-A947-70E740481C1C}">
+                <a14:useLocalDpi xmlns:a14="http://schemas.microsoft.com/office/drawing/2010/main" val="0"/>
+              </a:ext>
+            </a:extLst>
+          </a:blip>
+          <a:srcRect/>
+          <a:stretch>
+            <a:fillRect/>
+          </a:stretch>
+        </p:blipFill>
+        <p:spPr bwMode="auto">
+          <a:xfrm>
+            <a:off x="2844403" y="1230370"/>
+            <a:ext cx="6120680" cy="5538760"/>
+          </a:xfrm>
+          <a:prstGeom prst="rect">
+            <a:avLst/>
+          </a:prstGeom>
+          <a:noFill/>
+          <a:ln>
+            <a:noFill/>
+          </a:ln>
+          <a:effectLst/>
+          <a:extLst>
+            <a:ext uri="{909E8E84-426E-40DD-AFC4-6F175D3DCCD1}">
+              <a14:hiddenFill xmlns:a14="http://schemas.microsoft.com/office/drawing/2010/main">
+                <a:solidFill>
+                  <a:schemeClr val="accent1"/>
+                </a:solidFill>
+              </a14:hiddenFill>
+            </a:ext>
+            <a:ext uri="{91240B29-F687-4F45-9708-019B960494DF}">
+              <a14:hiddenLine xmlns:a14="http://schemas.microsoft.com/office/drawing/2010/main" w="9525">
+                <a:solidFill>
+                  <a:schemeClr val="tx1"/>
+                </a:solidFill>
+                <a:miter lim="800000"/>
+                <a:headEnd/>
+                <a:tailEnd/>
+              </a14:hiddenLine>
+            </a:ext>
+            <a:ext uri="{AF507438-7753-43E0-B8FC-AC1667EBCBE1}">
+              <a14:hiddenEffects xmlns:a14="http://schemas.microsoft.com/office/drawing/2010/main">
+                <a:effectLst>
+                  <a:outerShdw dist="35921" dir="2700000" algn="ctr" rotWithShape="0">
+                    <a:schemeClr val="bg2"/>
+                  </a:outerShdw>
+                </a:effectLst>
+              </a14:hiddenEffects>
+            </a:ext>
+          </a:extLst>
+        </p:spPr>
+      </p:pic>
+    </p:spTree>
+    <p:extLst>
+      <p:ext uri="{BB962C8B-B14F-4D97-AF65-F5344CB8AC3E}">
+        <p14:creationId xmlns:p14="http://schemas.microsoft.com/office/powerpoint/2010/main" val="3325486549"/>
+      </p:ext>
+    </p:extLst>
+  </p:cSld>
+  <p:clrMapOvr>
+    <a:masterClrMapping/>
+  </p:clrMapOvr>
+</p:sld>
+</file>
+
+<file path=ppt/slides/slide7.xml><?xml version="1.0" encoding="utf-8"?>
+<p:sld xmlns:a="http://schemas.openxmlformats.org/drawingml/2006/main" xmlns:r="http://schemas.openxmlformats.org/officeDocument/2006/relationships" xmlns:p="http://schemas.openxmlformats.org/presentationml/2006/main">
+  <p:cSld>
+    <p:spTree>
+      <p:nvGrpSpPr>
+        <p:cNvPr id="1" name=""/>
+        <p:cNvGrpSpPr/>
+        <p:nvPr/>
+      </p:nvGrpSpPr>
+      <p:grpSpPr>
+        <a:xfrm>
+          <a:off x="0" y="0"/>
+          <a:ext cx="0" cy="0"/>
+          <a:chOff x="0" y="0"/>
+          <a:chExt cx="0" cy="0"/>
+        </a:xfrm>
+      </p:grpSpPr>
+      <p:sp>
+        <p:nvSpPr>
+          <p:cNvPr id="2" name="标题 1"/>
+          <p:cNvSpPr>
+            <a:spLocks noGrp="1"/>
+          </p:cNvSpPr>
+          <p:nvPr>
+            <p:ph type="title"/>
+          </p:nvPr>
+        </p:nvSpPr>
+        <p:spPr>
+          <a:xfrm>
+            <a:off x="630080" y="288370"/>
+            <a:ext cx="11341418" cy="935816"/>
+          </a:xfrm>
+        </p:spPr>
+        <p:txBody>
+          <a:bodyPr/>
+          <a:lstStyle/>
+          <a:p>
+            <a:pPr algn="l"/>
+            <a:r>
+              <a:rPr lang="en-US" altLang="zh-CN" dirty="0" smtClean="0"/>
+              <a:t>Block Diag</a:t>
+            </a:r>
+            <a:r>
+              <a:rPr lang="en-US" altLang="zh-CN" dirty="0"/>
+              <a:t>ram</a:t>
+            </a:r>
+            <a:endParaRPr lang="zh-CN" altLang="en-US" dirty="0"/>
+          </a:p>
+        </p:txBody>
+      </p:sp>
+      <p:pic>
+        <p:nvPicPr>
+          <p:cNvPr id="6146" name="Picture 2"/>
+          <p:cNvPicPr>
+            <a:picLocks noChangeAspect="1" noChangeArrowheads="1"/>
+          </p:cNvPicPr>
+          <p:nvPr/>
+        </p:nvPicPr>
+        <p:blipFill>
+          <a:blip r:embed="rId2">
+            <a:extLst>
+              <a:ext uri="{28A0092B-C50C-407E-A947-70E740481C1C}">
+                <a14:useLocalDpi xmlns:a14="http://schemas.microsoft.com/office/drawing/2010/main" val="0"/>
+              </a:ext>
+            </a:extLst>
+          </a:blip>
+          <a:srcRect/>
+          <a:stretch>
+            <a:fillRect/>
+          </a:stretch>
+        </p:blipFill>
+        <p:spPr bwMode="auto">
+          <a:xfrm>
+            <a:off x="1548259" y="2790824"/>
+            <a:ext cx="9211741" cy="2033761"/>
+          </a:xfrm>
+          <a:prstGeom prst="rect">
+            <a:avLst/>
+          </a:prstGeom>
+          <a:noFill/>
+          <a:ln>
+            <a:noFill/>
+          </a:ln>
+          <a:effectLst/>
+          <a:extLst>
+            <a:ext uri="{909E8E84-426E-40DD-AFC4-6F175D3DCCD1}">
+              <a14:hiddenFill xmlns:a14="http://schemas.microsoft.com/office/drawing/2010/main">
+                <a:solidFill>
+                  <a:schemeClr val="accent1"/>
+                </a:solidFill>
+              </a14:hiddenFill>
+            </a:ext>
+            <a:ext uri="{91240B29-F687-4F45-9708-019B960494DF}">
+              <a14:hiddenLine xmlns:a14="http://schemas.microsoft.com/office/drawing/2010/main" w="9525">
+                <a:solidFill>
+                  <a:schemeClr val="tx1"/>
+                </a:solidFill>
+                <a:miter lim="800000"/>
+                <a:headEnd/>
+                <a:tailEnd/>
+              </a14:hiddenLine>
+            </a:ext>
+            <a:ext uri="{AF507438-7753-43E0-B8FC-AC1667EBCBE1}">
+              <a14:hiddenEffects xmlns:a14="http://schemas.microsoft.com/office/drawing/2010/main">
+                <a:effectLst>
+                  <a:outerShdw dist="35921" dir="2700000" algn="ctr" rotWithShape="0">
+                    <a:schemeClr val="bg2"/>
+                  </a:outerShdw>
+                </a:effectLst>
+              </a14:hiddenEffects>
+            </a:ext>
+          </a:extLst>
+        </p:spPr>
+      </p:pic>
+    </p:spTree>
+    <p:extLst>
+      <p:ext uri="{BB962C8B-B14F-4D97-AF65-F5344CB8AC3E}">
+        <p14:creationId xmlns:p14="http://schemas.microsoft.com/office/powerpoint/2010/main" val="3502798357"/>
+      </p:ext>
+    </p:extLst>
+  </p:cSld>
+  <p:clrMapOvr>
+    <a:masterClrMapping/>
+  </p:clrMapOvr>
+</p:sld>
+</file>
+
+<file path=ppt/slides/slide8.xml><?xml version="1.0" encoding="utf-8"?>
+<p:sld xmlns:a="http://schemas.openxmlformats.org/drawingml/2006/main" xmlns:r="http://schemas.openxmlformats.org/officeDocument/2006/relationships" xmlns:p="http://schemas.openxmlformats.org/presentationml/2006/main">
+  <p:cSld>
+    <p:spTree>
+      <p:nvGrpSpPr>
+        <p:cNvPr id="1" name=""/>
+        <p:cNvGrpSpPr/>
+        <p:nvPr/>
+      </p:nvGrpSpPr>
+      <p:grpSpPr>
+        <a:xfrm>
+          <a:off x="0" y="0"/>
+          <a:ext cx="0" cy="0"/>
+          <a:chOff x="0" y="0"/>
+          <a:chExt cx="0" cy="0"/>
+        </a:xfrm>
+      </p:grpSpPr>
+      <p:sp>
+        <p:nvSpPr>
+          <p:cNvPr id="2" name="标题 1"/>
+          <p:cNvSpPr>
+            <a:spLocks noGrp="1"/>
+          </p:cNvSpPr>
+          <p:nvPr>
+            <p:ph type="title"/>
+          </p:nvPr>
+        </p:nvSpPr>
+        <p:spPr>
+          <a:xfrm>
+            <a:off x="630080" y="288370"/>
+            <a:ext cx="11341418" cy="935816"/>
+          </a:xfrm>
+        </p:spPr>
+        <p:txBody>
+          <a:bodyPr/>
+          <a:lstStyle/>
+          <a:p>
+            <a:pPr algn="l"/>
+            <a:r>
+              <a:rPr lang="en-US" altLang="zh-CN" dirty="0" smtClean="0"/>
+              <a:t>Block Diag</a:t>
+            </a:r>
+            <a:r>
+              <a:rPr lang="en-US" altLang="zh-CN" dirty="0"/>
+              <a:t>ram</a:t>
+            </a:r>
+            <a:endParaRPr lang="zh-CN" altLang="en-US" dirty="0"/>
+          </a:p>
+        </p:txBody>
+      </p:sp>
+      <p:pic>
+        <p:nvPicPr>
+          <p:cNvPr id="5" name="Picture 2"/>
+          <p:cNvPicPr>
+            <a:picLocks noChangeAspect="1" noChangeArrowheads="1"/>
+          </p:cNvPicPr>
+          <p:nvPr/>
+        </p:nvPicPr>
+        <p:blipFill>
+          <a:blip r:embed="rId2">
+            <a:extLst>
+              <a:ext uri="{28A0092B-C50C-407E-A947-70E740481C1C}">
+                <a14:useLocalDpi xmlns:a14="http://schemas.microsoft.com/office/drawing/2010/main" val="0"/>
+              </a:ext>
+            </a:extLst>
+          </a:blip>
+          <a:srcRect/>
+          <a:stretch>
+            <a:fillRect/>
+          </a:stretch>
+        </p:blipFill>
+        <p:spPr bwMode="auto">
+          <a:xfrm>
+            <a:off x="3189288" y="1266825"/>
+            <a:ext cx="6223000" cy="4667250"/>
+          </a:xfrm>
+          <a:prstGeom prst="rect">
+            <a:avLst/>
+          </a:prstGeom>
+          <a:noFill/>
+          <a:ln>
+            <a:noFill/>
+          </a:ln>
+          <a:effectLst/>
+          <a:extLst>
+            <a:ext uri="{909E8E84-426E-40DD-AFC4-6F175D3DCCD1}">
+              <a14:hiddenFill xmlns:a14="http://schemas.microsoft.com/office/drawing/2010/main">
+                <a:solidFill>
+                  <a:schemeClr val="accent1"/>
+                </a:solidFill>
+              </a14:hiddenFill>
+            </a:ext>
+            <a:ext uri="{91240B29-F687-4F45-9708-019B960494DF}">
+              <a14:hiddenLine xmlns:a14="http://schemas.microsoft.com/office/drawing/2010/main" w="9525">
+                <a:solidFill>
+                  <a:schemeClr val="tx1"/>
+                </a:solidFill>
+                <a:miter lim="800000"/>
+                <a:headEnd/>
+                <a:tailEnd/>
+              </a14:hiddenLine>
+            </a:ext>
+            <a:ext uri="{AF507438-7753-43E0-B8FC-AC1667EBCBE1}">
+              <a14:hiddenEffects xmlns:a14="http://schemas.microsoft.com/office/drawing/2010/main">
+                <a:effectLst>
+                  <a:outerShdw dist="35921" dir="2700000" algn="ctr" rotWithShape="0">
+                    <a:schemeClr val="bg2"/>
+                  </a:outerShdw>
+                </a:effectLst>
+              </a14:hiddenEffects>
+            </a:ext>
+          </a:extLst>
+        </p:spPr>
+      </p:pic>
+    </p:spTree>
+    <p:extLst>
+      <p:ext uri="{BB962C8B-B14F-4D97-AF65-F5344CB8AC3E}">
+        <p14:creationId xmlns:p14="http://schemas.microsoft.com/office/powerpoint/2010/main" val="3885498236"/>
+      </p:ext>
+    </p:extLst>
+  </p:cSld>
+  <p:clrMapOvr>
+    <a:masterClrMapping/>
+  </p:clrMapOvr>
+</p:sld>
+</file>
+
+<file path=ppt/slides/slide9.xml><?xml version="1.0" encoding="utf-8"?>
+<p:sld xmlns:a="http://schemas.openxmlformats.org/drawingml/2006/main" xmlns:r="http://schemas.openxmlformats.org/officeDocument/2006/relationships" xmlns:p="http://schemas.openxmlformats.org/presentationml/2006/main">
+  <p:cSld>
+    <p:spTree>
+      <p:nvGrpSpPr>
+        <p:cNvPr id="1" name=""/>
+        <p:cNvGrpSpPr/>
+        <p:nvPr/>
+      </p:nvGrpSpPr>
+      <p:grpSpPr>
+        <a:xfrm>
+          <a:off x="0" y="0"/>
+          <a:ext cx="0" cy="0"/>
+          <a:chOff x="0" y="0"/>
+          <a:chExt cx="0" cy="0"/>
+        </a:xfrm>
+      </p:grpSpPr>
+      <p:sp>
+        <p:nvSpPr>
+          <p:cNvPr id="2" name="标题 1"/>
+          <p:cNvSpPr>
+            <a:spLocks noGrp="1"/>
+          </p:cNvSpPr>
+          <p:nvPr>
+            <p:ph type="title"/>
+          </p:nvPr>
+        </p:nvSpPr>
+        <p:spPr>
+          <a:xfrm>
+            <a:off x="630080" y="288370"/>
+            <a:ext cx="11341418" cy="935816"/>
+          </a:xfrm>
+        </p:spPr>
+        <p:txBody>
+          <a:bodyPr/>
+          <a:lstStyle/>
+          <a:p>
+            <a:pPr algn="l"/>
+            <a:r>
+              <a:rPr lang="en-US" altLang="zh-CN" dirty="0" smtClean="0"/>
+              <a:t>Block Diag</a:t>
+            </a:r>
+            <a:r>
+              <a:rPr lang="en-US" altLang="zh-CN" dirty="0"/>
+              <a:t>ram</a:t>
+            </a:r>
+            <a:endParaRPr lang="zh-CN" altLang="en-US" dirty="0"/>
+          </a:p>
+        </p:txBody>
+      </p:sp>
+      <p:pic>
+        <p:nvPicPr>
+          <p:cNvPr id="5" name="Picture 2"/>
+          <p:cNvPicPr>
+            <a:picLocks noChangeAspect="1" noChangeArrowheads="1"/>
+          </p:cNvPicPr>
+          <p:nvPr/>
+        </p:nvPicPr>
+        <p:blipFill>
+          <a:blip r:embed="rId2">
+            <a:extLst>
+              <a:ext uri="{28A0092B-C50C-407E-A947-70E740481C1C}">
+                <a14:useLocalDpi xmlns:a14="http://schemas.microsoft.com/office/drawing/2010/main" val="0"/>
+              </a:ext>
+            </a:extLst>
+          </a:blip>
+          <a:srcRect/>
+          <a:stretch>
+            <a:fillRect/>
+          </a:stretch>
+        </p:blipFill>
+        <p:spPr bwMode="auto">
+          <a:xfrm>
+            <a:off x="3189288" y="1266825"/>
+            <a:ext cx="6223000" cy="4667250"/>
+          </a:xfrm>
+          <a:prstGeom prst="rect">
+            <a:avLst/>
+          </a:prstGeom>
+          <a:noFill/>
+          <a:ln>
+            <a:noFill/>
+          </a:ln>
+          <a:effectLst/>
+          <a:extLst>
+            <a:ext uri="{909E8E84-426E-40DD-AFC4-6F175D3DCCD1}">
+              <a14:hiddenFill xmlns:a14="http://schemas.microsoft.com/office/drawing/2010/main">
+                <a:solidFill>
+                  <a:schemeClr val="accent1"/>
+                </a:solidFill>
+              </a14:hiddenFill>
+            </a:ext>
+            <a:ext uri="{91240B29-F687-4F45-9708-019B960494DF}">
+              <a14:hiddenLine xmlns:a14="http://schemas.microsoft.com/office/drawing/2010/main" w="9525">
+                <a:solidFill>
+                  <a:schemeClr val="tx1"/>
+                </a:solidFill>
+                <a:miter lim="800000"/>
+                <a:headEnd/>
+                <a:tailEnd/>
+              </a14:hiddenLine>
+            </a:ext>
+            <a:ext uri="{AF507438-7753-43E0-B8FC-AC1667EBCBE1}">
+              <a14:hiddenEffects xmlns:a14="http://schemas.microsoft.com/office/drawing/2010/main">
+                <a:effectLst>
+                  <a:outerShdw dist="35921" dir="2700000" algn="ctr" rotWithShape="0">
+                    <a:schemeClr val="bg2"/>
+                  </a:outerShdw>
+                </a:effectLst>
+              </a14:hiddenEffects>
+            </a:ext>
+          </a:extLst>
+        </p:spPr>
+      </p:pic>
+    </p:spTree>
+    <p:extLst>
+      <p:ext uri="{BB962C8B-B14F-4D97-AF65-F5344CB8AC3E}">
+        <p14:creationId xmlns:p14="http://schemas.microsoft.com/office/powerpoint/2010/main" val="4224225504"/>
+      </p:ext>
+    </p:extLst>
+  </p:cSld>
+  <p:clrMapOvr>
+    <a:masterClrMapping/>
+  </p:clrMapOvr>
+</p:sld>
 </file>
 
 <file path=ppt/theme/theme1.xml><?xml version="1.0" encoding="utf-8"?>

--- a/EE/OPT8241/TechTip/OPT8241.pptx
+++ b/EE/OPT8241/TechTip/OPT8241.pptx
@@ -301,7 +301,7 @@
           <a:p>
             <a:fld id="{530820CF-B880-4189-942D-D702A7CBA730}" type="datetimeFigureOut">
               <a:rPr lang="zh-CN" altLang="en-US" smtClean="0"/>
-              <a:t>2018/8/25</a:t>
+              <a:t>2018/8/26</a:t>
             </a:fld>
             <a:endParaRPr lang="zh-CN" altLang="en-US"/>
           </a:p>
@@ -466,7 +466,7 @@
           <a:p>
             <a:fld id="{530820CF-B880-4189-942D-D702A7CBA730}" type="datetimeFigureOut">
               <a:rPr lang="zh-CN" altLang="en-US" smtClean="0"/>
-              <a:t>2018/8/25</a:t>
+              <a:t>2018/8/26</a:t>
             </a:fld>
             <a:endParaRPr lang="zh-CN" altLang="en-US"/>
           </a:p>
@@ -641,7 +641,7 @@
           <a:p>
             <a:fld id="{530820CF-B880-4189-942D-D702A7CBA730}" type="datetimeFigureOut">
               <a:rPr lang="zh-CN" altLang="en-US" smtClean="0"/>
-              <a:t>2018/8/25</a:t>
+              <a:t>2018/8/26</a:t>
             </a:fld>
             <a:endParaRPr lang="zh-CN" altLang="en-US"/>
           </a:p>
@@ -806,7 +806,7 @@
           <a:p>
             <a:fld id="{530820CF-B880-4189-942D-D702A7CBA730}" type="datetimeFigureOut">
               <a:rPr lang="zh-CN" altLang="en-US" smtClean="0"/>
-              <a:t>2018/8/25</a:t>
+              <a:t>2018/8/26</a:t>
             </a:fld>
             <a:endParaRPr lang="zh-CN" altLang="en-US"/>
           </a:p>
@@ -1047,7 +1047,7 @@
           <a:p>
             <a:fld id="{530820CF-B880-4189-942D-D702A7CBA730}" type="datetimeFigureOut">
               <a:rPr lang="zh-CN" altLang="en-US" smtClean="0"/>
-              <a:t>2018/8/25</a:t>
+              <a:t>2018/8/26</a:t>
             </a:fld>
             <a:endParaRPr lang="zh-CN" altLang="en-US"/>
           </a:p>
@@ -1330,7 +1330,7 @@
           <a:p>
             <a:fld id="{530820CF-B880-4189-942D-D702A7CBA730}" type="datetimeFigureOut">
               <a:rPr lang="zh-CN" altLang="en-US" smtClean="0"/>
-              <a:t>2018/8/25</a:t>
+              <a:t>2018/8/26</a:t>
             </a:fld>
             <a:endParaRPr lang="zh-CN" altLang="en-US"/>
           </a:p>
@@ -1747,7 +1747,7 @@
           <a:p>
             <a:fld id="{530820CF-B880-4189-942D-D702A7CBA730}" type="datetimeFigureOut">
               <a:rPr lang="zh-CN" altLang="en-US" smtClean="0"/>
-              <a:t>2018/8/25</a:t>
+              <a:t>2018/8/26</a:t>
             </a:fld>
             <a:endParaRPr lang="zh-CN" altLang="en-US"/>
           </a:p>
@@ -1860,7 +1860,7 @@
           <a:p>
             <a:fld id="{530820CF-B880-4189-942D-D702A7CBA730}" type="datetimeFigureOut">
               <a:rPr lang="zh-CN" altLang="en-US" smtClean="0"/>
-              <a:t>2018/8/25</a:t>
+              <a:t>2018/8/26</a:t>
             </a:fld>
             <a:endParaRPr lang="zh-CN" altLang="en-US"/>
           </a:p>
@@ -1950,7 +1950,7 @@
           <a:p>
             <a:fld id="{530820CF-B880-4189-942D-D702A7CBA730}" type="datetimeFigureOut">
               <a:rPr lang="zh-CN" altLang="en-US" smtClean="0"/>
-              <a:t>2018/8/25</a:t>
+              <a:t>2018/8/26</a:t>
             </a:fld>
             <a:endParaRPr lang="zh-CN" altLang="en-US"/>
           </a:p>
@@ -2222,7 +2222,7 @@
           <a:p>
             <a:fld id="{530820CF-B880-4189-942D-D702A7CBA730}" type="datetimeFigureOut">
               <a:rPr lang="zh-CN" altLang="en-US" smtClean="0"/>
-              <a:t>2018/8/25</a:t>
+              <a:t>2018/8/26</a:t>
             </a:fld>
             <a:endParaRPr lang="zh-CN" altLang="en-US"/>
           </a:p>
@@ -2470,7 +2470,7 @@
           <a:p>
             <a:fld id="{530820CF-B880-4189-942D-D702A7CBA730}" type="datetimeFigureOut">
               <a:rPr lang="zh-CN" altLang="en-US" smtClean="0"/>
-              <a:t>2018/8/25</a:t>
+              <a:t>2018/8/26</a:t>
             </a:fld>
             <a:endParaRPr lang="zh-CN" altLang="en-US"/>
           </a:p>
@@ -2678,7 +2678,7 @@
           <a:p>
             <a:fld id="{530820CF-B880-4189-942D-D702A7CBA730}" type="datetimeFigureOut">
               <a:rPr lang="zh-CN" altLang="en-US" smtClean="0"/>
-              <a:t>2018/8/25</a:t>
+              <a:t>2018/8/26</a:t>
             </a:fld>
             <a:endParaRPr lang="zh-CN" altLang="en-US"/>
           </a:p>
@@ -4536,11 +4536,7 @@
             <a:pPr algn="l"/>
             <a:r>
               <a:rPr lang="en-US" altLang="zh-CN" dirty="0" smtClean="0"/>
-              <a:t>Block Diag</a:t>
-            </a:r>
-            <a:r>
-              <a:rPr lang="en-US" altLang="zh-CN" dirty="0"/>
-              <a:t>ram</a:t>
+              <a:t>Frame Marker Signals</a:t>
             </a:r>
             <a:endParaRPr lang="zh-CN" altLang="en-US" dirty="0"/>
           </a:p>
@@ -4569,7 +4565,7 @@
         </p:blipFill>
         <p:spPr bwMode="auto">
           <a:xfrm>
-            <a:off x="1548259" y="2790824"/>
+            <a:off x="1476251" y="1368202"/>
             <a:ext cx="9211741" cy="2033761"/>
           </a:xfrm>
           <a:prstGeom prst="rect">
@@ -4653,21 +4649,23 @@
         <p:spPr>
           <a:xfrm>
             <a:off x="630080" y="288370"/>
-            <a:ext cx="11341418" cy="935816"/>
-          </a:xfrm>
-        </p:spPr>
-        <p:txBody>
-          <a:bodyPr/>
+            <a:ext cx="11341418" cy="647784"/>
+          </a:xfrm>
+        </p:spPr>
+        <p:txBody>
+          <a:bodyPr>
+            <a:normAutofit fontScale="90000"/>
+          </a:bodyPr>
           <a:lstStyle/>
           <a:p>
             <a:pPr algn="l"/>
             <a:r>
+              <a:rPr lang="en-US" altLang="zh-CN" dirty="0" err="1" smtClean="0"/>
+              <a:t>Serializer</a:t>
+            </a:r>
+            <a:r>
               <a:rPr lang="en-US" altLang="zh-CN" dirty="0" smtClean="0"/>
-              <a:t>Block Diag</a:t>
-            </a:r>
-            <a:r>
-              <a:rPr lang="en-US" altLang="zh-CN" dirty="0"/>
-              <a:t>ram</a:t>
+              <a:t> and LVDS Output Interface</a:t>
             </a:r>
             <a:endParaRPr lang="zh-CN" altLang="en-US" dirty="0"/>
           </a:p>
@@ -4675,7 +4673,7 @@
       </p:sp>
       <p:pic>
         <p:nvPicPr>
-          <p:cNvPr id="5" name="Picture 2"/>
+          <p:cNvPr id="1026" name="Picture 2"/>
           <p:cNvPicPr>
             <a:picLocks noChangeAspect="1" noChangeArrowheads="1"/>
           </p:cNvPicPr>
@@ -4696,8 +4694,328 @@
         </p:blipFill>
         <p:spPr bwMode="auto">
           <a:xfrm>
-            <a:off x="3189288" y="1266825"/>
-            <a:ext cx="6223000" cy="4667250"/>
+            <a:off x="0" y="936154"/>
+            <a:ext cx="8047287" cy="4032448"/>
+          </a:xfrm>
+          <a:prstGeom prst="rect">
+            <a:avLst/>
+          </a:prstGeom>
+          <a:noFill/>
+          <a:ln>
+            <a:noFill/>
+          </a:ln>
+          <a:effectLst/>
+          <a:extLst>
+            <a:ext uri="{909E8E84-426E-40DD-AFC4-6F175D3DCCD1}">
+              <a14:hiddenFill xmlns:a14="http://schemas.microsoft.com/office/drawing/2010/main">
+                <a:solidFill>
+                  <a:schemeClr val="accent1"/>
+                </a:solidFill>
+              </a14:hiddenFill>
+            </a:ext>
+            <a:ext uri="{91240B29-F687-4F45-9708-019B960494DF}">
+              <a14:hiddenLine xmlns:a14="http://schemas.microsoft.com/office/drawing/2010/main" w="9525">
+                <a:solidFill>
+                  <a:schemeClr val="tx1"/>
+                </a:solidFill>
+                <a:miter lim="800000"/>
+                <a:headEnd/>
+                <a:tailEnd/>
+              </a14:hiddenLine>
+            </a:ext>
+            <a:ext uri="{AF507438-7753-43E0-B8FC-AC1667EBCBE1}">
+              <a14:hiddenEffects xmlns:a14="http://schemas.microsoft.com/office/drawing/2010/main">
+                <a:effectLst>
+                  <a:outerShdw dist="35921" dir="2700000" algn="ctr" rotWithShape="0">
+                    <a:schemeClr val="bg2"/>
+                  </a:outerShdw>
+                </a:effectLst>
+              </a14:hiddenEffects>
+            </a:ext>
+          </a:extLst>
+        </p:spPr>
+      </p:pic>
+      <p:pic>
+        <p:nvPicPr>
+          <p:cNvPr id="1027" name="Picture 3"/>
+          <p:cNvPicPr>
+            <a:picLocks noChangeAspect="1" noChangeArrowheads="1"/>
+          </p:cNvPicPr>
+          <p:nvPr/>
+        </p:nvPicPr>
+        <p:blipFill>
+          <a:blip r:embed="rId3">
+            <a:extLst>
+              <a:ext uri="{28A0092B-C50C-407E-A947-70E740481C1C}">
+                <a14:useLocalDpi xmlns:a14="http://schemas.microsoft.com/office/drawing/2010/main" val="0"/>
+              </a:ext>
+            </a:extLst>
+          </a:blip>
+          <a:srcRect/>
+          <a:stretch>
+            <a:fillRect/>
+          </a:stretch>
+        </p:blipFill>
+        <p:spPr bwMode="auto">
+          <a:xfrm>
+            <a:off x="540147" y="5298604"/>
+            <a:ext cx="9172575" cy="685800"/>
+          </a:xfrm>
+          <a:prstGeom prst="rect">
+            <a:avLst/>
+          </a:prstGeom>
+          <a:noFill/>
+          <a:ln>
+            <a:noFill/>
+          </a:ln>
+          <a:effectLst/>
+          <a:extLst>
+            <a:ext uri="{909E8E84-426E-40DD-AFC4-6F175D3DCCD1}">
+              <a14:hiddenFill xmlns:a14="http://schemas.microsoft.com/office/drawing/2010/main">
+                <a:solidFill>
+                  <a:schemeClr val="accent1"/>
+                </a:solidFill>
+              </a14:hiddenFill>
+            </a:ext>
+            <a:ext uri="{91240B29-F687-4F45-9708-019B960494DF}">
+              <a14:hiddenLine xmlns:a14="http://schemas.microsoft.com/office/drawing/2010/main" w="9525">
+                <a:solidFill>
+                  <a:schemeClr val="tx1"/>
+                </a:solidFill>
+                <a:miter lim="800000"/>
+                <a:headEnd/>
+                <a:tailEnd/>
+              </a14:hiddenLine>
+            </a:ext>
+            <a:ext uri="{AF507438-7753-43E0-B8FC-AC1667EBCBE1}">
+              <a14:hiddenEffects xmlns:a14="http://schemas.microsoft.com/office/drawing/2010/main">
+                <a:effectLst>
+                  <a:outerShdw dist="35921" dir="2700000" algn="ctr" rotWithShape="0">
+                    <a:schemeClr val="bg2"/>
+                  </a:outerShdw>
+                </a:effectLst>
+              </a14:hiddenEffects>
+            </a:ext>
+          </a:extLst>
+        </p:spPr>
+      </p:pic>
+      <p:pic>
+        <p:nvPicPr>
+          <p:cNvPr id="1028" name="Picture 4"/>
+          <p:cNvPicPr>
+            <a:picLocks noChangeAspect="1" noChangeArrowheads="1"/>
+          </p:cNvPicPr>
+          <p:nvPr/>
+        </p:nvPicPr>
+        <p:blipFill>
+          <a:blip r:embed="rId4">
+            <a:extLst>
+              <a:ext uri="{28A0092B-C50C-407E-A947-70E740481C1C}">
+                <a14:useLocalDpi xmlns:a14="http://schemas.microsoft.com/office/drawing/2010/main" val="0"/>
+              </a:ext>
+            </a:extLst>
+          </a:blip>
+          <a:srcRect/>
+          <a:stretch>
+            <a:fillRect/>
+          </a:stretch>
+        </p:blipFill>
+        <p:spPr bwMode="auto">
+          <a:xfrm>
+            <a:off x="566687" y="5984404"/>
+            <a:ext cx="9334500" cy="314325"/>
+          </a:xfrm>
+          <a:prstGeom prst="rect">
+            <a:avLst/>
+          </a:prstGeom>
+          <a:noFill/>
+          <a:ln>
+            <a:noFill/>
+          </a:ln>
+          <a:effectLst/>
+          <a:extLst>
+            <a:ext uri="{909E8E84-426E-40DD-AFC4-6F175D3DCCD1}">
+              <a14:hiddenFill xmlns:a14="http://schemas.microsoft.com/office/drawing/2010/main">
+                <a:solidFill>
+                  <a:schemeClr val="accent1"/>
+                </a:solidFill>
+              </a14:hiddenFill>
+            </a:ext>
+            <a:ext uri="{91240B29-F687-4F45-9708-019B960494DF}">
+              <a14:hiddenLine xmlns:a14="http://schemas.microsoft.com/office/drawing/2010/main" w="9525">
+                <a:solidFill>
+                  <a:schemeClr val="tx1"/>
+                </a:solidFill>
+                <a:miter lim="800000"/>
+                <a:headEnd/>
+                <a:tailEnd/>
+              </a14:hiddenLine>
+            </a:ext>
+            <a:ext uri="{AF507438-7753-43E0-B8FC-AC1667EBCBE1}">
+              <a14:hiddenEffects xmlns:a14="http://schemas.microsoft.com/office/drawing/2010/main">
+                <a:effectLst>
+                  <a:outerShdw dist="35921" dir="2700000" algn="ctr" rotWithShape="0">
+                    <a:schemeClr val="bg2"/>
+                  </a:outerShdw>
+                </a:effectLst>
+              </a14:hiddenEffects>
+            </a:ext>
+          </a:extLst>
+        </p:spPr>
+      </p:pic>
+      <p:pic>
+        <p:nvPicPr>
+          <p:cNvPr id="1029" name="Picture 5"/>
+          <p:cNvPicPr>
+            <a:picLocks noChangeAspect="1" noChangeArrowheads="1"/>
+          </p:cNvPicPr>
+          <p:nvPr/>
+        </p:nvPicPr>
+        <p:blipFill>
+          <a:blip r:embed="rId5">
+            <a:extLst>
+              <a:ext uri="{28A0092B-C50C-407E-A947-70E740481C1C}">
+                <a14:useLocalDpi xmlns:a14="http://schemas.microsoft.com/office/drawing/2010/main" val="0"/>
+              </a:ext>
+            </a:extLst>
+          </a:blip>
+          <a:srcRect/>
+          <a:stretch>
+            <a:fillRect/>
+          </a:stretch>
+        </p:blipFill>
+        <p:spPr bwMode="auto">
+          <a:xfrm>
+            <a:off x="540147" y="6264746"/>
+            <a:ext cx="9267825" cy="295275"/>
+          </a:xfrm>
+          <a:prstGeom prst="rect">
+            <a:avLst/>
+          </a:prstGeom>
+          <a:noFill/>
+          <a:ln>
+            <a:noFill/>
+          </a:ln>
+          <a:effectLst/>
+          <a:extLst>
+            <a:ext uri="{909E8E84-426E-40DD-AFC4-6F175D3DCCD1}">
+              <a14:hiddenFill xmlns:a14="http://schemas.microsoft.com/office/drawing/2010/main">
+                <a:solidFill>
+                  <a:schemeClr val="accent1"/>
+                </a:solidFill>
+              </a14:hiddenFill>
+            </a:ext>
+            <a:ext uri="{91240B29-F687-4F45-9708-019B960494DF}">
+              <a14:hiddenLine xmlns:a14="http://schemas.microsoft.com/office/drawing/2010/main" w="9525">
+                <a:solidFill>
+                  <a:schemeClr val="tx1"/>
+                </a:solidFill>
+                <a:miter lim="800000"/>
+                <a:headEnd/>
+                <a:tailEnd/>
+              </a14:hiddenLine>
+            </a:ext>
+            <a:ext uri="{AF507438-7753-43E0-B8FC-AC1667EBCBE1}">
+              <a14:hiddenEffects xmlns:a14="http://schemas.microsoft.com/office/drawing/2010/main">
+                <a:effectLst>
+                  <a:outerShdw dist="35921" dir="2700000" algn="ctr" rotWithShape="0">
+                    <a:schemeClr val="bg2"/>
+                  </a:outerShdw>
+                </a:effectLst>
+              </a14:hiddenEffects>
+            </a:ext>
+          </a:extLst>
+        </p:spPr>
+      </p:pic>
+      <p:pic>
+        <p:nvPicPr>
+          <p:cNvPr id="1030" name="Picture 6"/>
+          <p:cNvPicPr>
+            <a:picLocks noChangeAspect="1" noChangeArrowheads="1"/>
+          </p:cNvPicPr>
+          <p:nvPr/>
+        </p:nvPicPr>
+        <p:blipFill>
+          <a:blip r:embed="rId6">
+            <a:extLst>
+              <a:ext uri="{28A0092B-C50C-407E-A947-70E740481C1C}">
+                <a14:useLocalDpi xmlns:a14="http://schemas.microsoft.com/office/drawing/2010/main" val="0"/>
+              </a:ext>
+            </a:extLst>
+          </a:blip>
+          <a:srcRect/>
+          <a:stretch>
+            <a:fillRect/>
+          </a:stretch>
+        </p:blipFill>
+        <p:spPr bwMode="auto">
+          <a:xfrm>
+            <a:off x="5336505" y="2701419"/>
+            <a:ext cx="7265070" cy="971039"/>
+          </a:xfrm>
+          <a:prstGeom prst="rect">
+            <a:avLst/>
+          </a:prstGeom>
+          <a:noFill/>
+          <a:ln>
+            <a:noFill/>
+          </a:ln>
+          <a:effectLst/>
+          <a:extLst>
+            <a:ext uri="{909E8E84-426E-40DD-AFC4-6F175D3DCCD1}">
+              <a14:hiddenFill xmlns:a14="http://schemas.microsoft.com/office/drawing/2010/main">
+                <a:solidFill>
+                  <a:schemeClr val="accent1"/>
+                </a:solidFill>
+              </a14:hiddenFill>
+            </a:ext>
+            <a:ext uri="{91240B29-F687-4F45-9708-019B960494DF}">
+              <a14:hiddenLine xmlns:a14="http://schemas.microsoft.com/office/drawing/2010/main" w="9525">
+                <a:solidFill>
+                  <a:schemeClr val="tx1"/>
+                </a:solidFill>
+                <a:miter lim="800000"/>
+                <a:headEnd/>
+                <a:tailEnd/>
+              </a14:hiddenLine>
+            </a:ext>
+            <a:ext uri="{AF507438-7753-43E0-B8FC-AC1667EBCBE1}">
+              <a14:hiddenEffects xmlns:a14="http://schemas.microsoft.com/office/drawing/2010/main">
+                <a:effectLst>
+                  <a:outerShdw dist="35921" dir="2700000" algn="ctr" rotWithShape="0">
+                    <a:schemeClr val="bg2"/>
+                  </a:outerShdw>
+                </a:effectLst>
+              </a14:hiddenEffects>
+            </a:ext>
+          </a:extLst>
+        </p:spPr>
+      </p:pic>
+      <p:pic>
+        <p:nvPicPr>
+          <p:cNvPr id="1031" name="Picture 7"/>
+          <p:cNvPicPr>
+            <a:picLocks noChangeAspect="1" noChangeArrowheads="1"/>
+          </p:cNvPicPr>
+          <p:nvPr/>
+        </p:nvPicPr>
+        <p:blipFill>
+          <a:blip r:embed="rId7">
+            <a:extLst>
+              <a:ext uri="{28A0092B-C50C-407E-A947-70E740481C1C}">
+                <a14:useLocalDpi xmlns:a14="http://schemas.microsoft.com/office/drawing/2010/main" val="0"/>
+              </a:ext>
+            </a:extLst>
+          </a:blip>
+          <a:srcRect/>
+          <a:stretch>
+            <a:fillRect/>
+          </a:stretch>
+        </p:blipFill>
+        <p:spPr bwMode="auto">
+          <a:xfrm>
+            <a:off x="5336505" y="3769190"/>
+            <a:ext cx="7249889" cy="479332"/>
           </a:xfrm>
           <a:prstGeom prst="rect">
             <a:avLst/>
@@ -4790,11 +5108,7 @@
             <a:pPr algn="l"/>
             <a:r>
               <a:rPr lang="en-US" altLang="zh-CN" dirty="0" smtClean="0"/>
-              <a:t>Block Diag</a:t>
-            </a:r>
-            <a:r>
-              <a:rPr lang="en-US" altLang="zh-CN" dirty="0"/>
-              <a:t>ram</a:t>
+              <a:t>Parallel CMOS Output Interface</a:t>
             </a:r>
             <a:endParaRPr lang="zh-CN" altLang="en-US" dirty="0"/>
           </a:p>
@@ -4802,7 +5116,7 @@
       </p:sp>
       <p:pic>
         <p:nvPicPr>
-          <p:cNvPr id="5" name="Picture 2"/>
+          <p:cNvPr id="2050" name="Picture 2"/>
           <p:cNvPicPr>
             <a:picLocks noChangeAspect="1" noChangeArrowheads="1"/>
           </p:cNvPicPr>
@@ -4823,8 +5137,136 @@
         </p:blipFill>
         <p:spPr bwMode="auto">
           <a:xfrm>
-            <a:off x="3189288" y="1266825"/>
-            <a:ext cx="6223000" cy="4667250"/>
+            <a:off x="28847" y="1069975"/>
+            <a:ext cx="8144148" cy="4333035"/>
+          </a:xfrm>
+          <a:prstGeom prst="rect">
+            <a:avLst/>
+          </a:prstGeom>
+          <a:noFill/>
+          <a:ln>
+            <a:noFill/>
+          </a:ln>
+          <a:effectLst/>
+          <a:extLst>
+            <a:ext uri="{909E8E84-426E-40DD-AFC4-6F175D3DCCD1}">
+              <a14:hiddenFill xmlns:a14="http://schemas.microsoft.com/office/drawing/2010/main">
+                <a:solidFill>
+                  <a:schemeClr val="accent1"/>
+                </a:solidFill>
+              </a14:hiddenFill>
+            </a:ext>
+            <a:ext uri="{91240B29-F687-4F45-9708-019B960494DF}">
+              <a14:hiddenLine xmlns:a14="http://schemas.microsoft.com/office/drawing/2010/main" w="9525">
+                <a:solidFill>
+                  <a:schemeClr val="tx1"/>
+                </a:solidFill>
+                <a:miter lim="800000"/>
+                <a:headEnd/>
+                <a:tailEnd/>
+              </a14:hiddenLine>
+            </a:ext>
+            <a:ext uri="{AF507438-7753-43E0-B8FC-AC1667EBCBE1}">
+              <a14:hiddenEffects xmlns:a14="http://schemas.microsoft.com/office/drawing/2010/main">
+                <a:effectLst>
+                  <a:outerShdw dist="35921" dir="2700000" algn="ctr" rotWithShape="0">
+                    <a:schemeClr val="bg2"/>
+                  </a:outerShdw>
+                </a:effectLst>
+              </a14:hiddenEffects>
+            </a:ext>
+          </a:extLst>
+        </p:spPr>
+      </p:pic>
+      <p:pic>
+        <p:nvPicPr>
+          <p:cNvPr id="2051" name="Picture 3"/>
+          <p:cNvPicPr>
+            <a:picLocks noChangeAspect="1" noChangeArrowheads="1"/>
+          </p:cNvPicPr>
+          <p:nvPr/>
+        </p:nvPicPr>
+        <p:blipFill>
+          <a:blip r:embed="rId3">
+            <a:extLst>
+              <a:ext uri="{28A0092B-C50C-407E-A947-70E740481C1C}">
+                <a14:useLocalDpi xmlns:a14="http://schemas.microsoft.com/office/drawing/2010/main" val="0"/>
+              </a:ext>
+            </a:extLst>
+          </a:blip>
+          <a:srcRect/>
+          <a:stretch>
+            <a:fillRect/>
+          </a:stretch>
+        </p:blipFill>
+        <p:spPr bwMode="auto">
+          <a:xfrm>
+            <a:off x="2268339" y="6526758"/>
+            <a:ext cx="7272808" cy="341480"/>
+          </a:xfrm>
+          <a:prstGeom prst="rect">
+            <a:avLst/>
+          </a:prstGeom>
+          <a:noFill/>
+          <a:ln>
+            <a:noFill/>
+          </a:ln>
+          <a:effectLst/>
+          <a:extLst>
+            <a:ext uri="{909E8E84-426E-40DD-AFC4-6F175D3DCCD1}">
+              <a14:hiddenFill xmlns:a14="http://schemas.microsoft.com/office/drawing/2010/main">
+                <a:solidFill>
+                  <a:schemeClr val="accent1"/>
+                </a:solidFill>
+              </a14:hiddenFill>
+            </a:ext>
+            <a:ext uri="{91240B29-F687-4F45-9708-019B960494DF}">
+              <a14:hiddenLine xmlns:a14="http://schemas.microsoft.com/office/drawing/2010/main" w="9525">
+                <a:solidFill>
+                  <a:schemeClr val="tx1"/>
+                </a:solidFill>
+                <a:miter lim="800000"/>
+                <a:headEnd/>
+                <a:tailEnd/>
+              </a14:hiddenLine>
+            </a:ext>
+            <a:ext uri="{AF507438-7753-43E0-B8FC-AC1667EBCBE1}">
+              <a14:hiddenEffects xmlns:a14="http://schemas.microsoft.com/office/drawing/2010/main">
+                <a:effectLst>
+                  <a:outerShdw dist="35921" dir="2700000" algn="ctr" rotWithShape="0">
+                    <a:schemeClr val="bg2"/>
+                  </a:outerShdw>
+                </a:effectLst>
+              </a14:hiddenEffects>
+            </a:ext>
+          </a:extLst>
+        </p:spPr>
+      </p:pic>
+      <p:pic>
+        <p:nvPicPr>
+          <p:cNvPr id="2052" name="Picture 4"/>
+          <p:cNvPicPr>
+            <a:picLocks noChangeAspect="1" noChangeArrowheads="1"/>
+          </p:cNvPicPr>
+          <p:nvPr/>
+        </p:nvPicPr>
+        <p:blipFill>
+          <a:blip r:embed="rId4">
+            <a:extLst>
+              <a:ext uri="{28A0092B-C50C-407E-A947-70E740481C1C}">
+                <a14:useLocalDpi xmlns:a14="http://schemas.microsoft.com/office/drawing/2010/main" val="0"/>
+              </a:ext>
+            </a:extLst>
+          </a:blip>
+          <a:srcRect/>
+          <a:stretch>
+            <a:fillRect/>
+          </a:stretch>
+        </p:blipFill>
+        <p:spPr bwMode="auto">
+          <a:xfrm>
+            <a:off x="1404243" y="5472658"/>
+            <a:ext cx="8661400" cy="1054100"/>
           </a:xfrm>
           <a:prstGeom prst="rect">
             <a:avLst/>

--- a/EE/OPT8241/TechTip/OPT8241.pptx
+++ b/EE/OPT8241/TechTip/OPT8241.pptx
@@ -301,7 +301,7 @@
           <a:p>
             <a:fld id="{530820CF-B880-4189-942D-D702A7CBA730}" type="datetimeFigureOut">
               <a:rPr lang="zh-CN" altLang="en-US" smtClean="0"/>
-              <a:t>2018/8/26</a:t>
+              <a:t>2018/9/3</a:t>
             </a:fld>
             <a:endParaRPr lang="zh-CN" altLang="en-US"/>
           </a:p>
@@ -466,7 +466,7 @@
           <a:p>
             <a:fld id="{530820CF-B880-4189-942D-D702A7CBA730}" type="datetimeFigureOut">
               <a:rPr lang="zh-CN" altLang="en-US" smtClean="0"/>
-              <a:t>2018/8/26</a:t>
+              <a:t>2018/9/3</a:t>
             </a:fld>
             <a:endParaRPr lang="zh-CN" altLang="en-US"/>
           </a:p>
@@ -641,7 +641,7 @@
           <a:p>
             <a:fld id="{530820CF-B880-4189-942D-D702A7CBA730}" type="datetimeFigureOut">
               <a:rPr lang="zh-CN" altLang="en-US" smtClean="0"/>
-              <a:t>2018/8/26</a:t>
+              <a:t>2018/9/3</a:t>
             </a:fld>
             <a:endParaRPr lang="zh-CN" altLang="en-US"/>
           </a:p>
@@ -806,7 +806,7 @@
           <a:p>
             <a:fld id="{530820CF-B880-4189-942D-D702A7CBA730}" type="datetimeFigureOut">
               <a:rPr lang="zh-CN" altLang="en-US" smtClean="0"/>
-              <a:t>2018/8/26</a:t>
+              <a:t>2018/9/3</a:t>
             </a:fld>
             <a:endParaRPr lang="zh-CN" altLang="en-US"/>
           </a:p>
@@ -1047,7 +1047,7 @@
           <a:p>
             <a:fld id="{530820CF-B880-4189-942D-D702A7CBA730}" type="datetimeFigureOut">
               <a:rPr lang="zh-CN" altLang="en-US" smtClean="0"/>
-              <a:t>2018/8/26</a:t>
+              <a:t>2018/9/3</a:t>
             </a:fld>
             <a:endParaRPr lang="zh-CN" altLang="en-US"/>
           </a:p>
@@ -1330,7 +1330,7 @@
           <a:p>
             <a:fld id="{530820CF-B880-4189-942D-D702A7CBA730}" type="datetimeFigureOut">
               <a:rPr lang="zh-CN" altLang="en-US" smtClean="0"/>
-              <a:t>2018/8/26</a:t>
+              <a:t>2018/9/3</a:t>
             </a:fld>
             <a:endParaRPr lang="zh-CN" altLang="en-US"/>
           </a:p>
@@ -1747,7 +1747,7 @@
           <a:p>
             <a:fld id="{530820CF-B880-4189-942D-D702A7CBA730}" type="datetimeFigureOut">
               <a:rPr lang="zh-CN" altLang="en-US" smtClean="0"/>
-              <a:t>2018/8/26</a:t>
+              <a:t>2018/9/3</a:t>
             </a:fld>
             <a:endParaRPr lang="zh-CN" altLang="en-US"/>
           </a:p>
@@ -1860,7 +1860,7 @@
           <a:p>
             <a:fld id="{530820CF-B880-4189-942D-D702A7CBA730}" type="datetimeFigureOut">
               <a:rPr lang="zh-CN" altLang="en-US" smtClean="0"/>
-              <a:t>2018/8/26</a:t>
+              <a:t>2018/9/3</a:t>
             </a:fld>
             <a:endParaRPr lang="zh-CN" altLang="en-US"/>
           </a:p>
@@ -1950,7 +1950,7 @@
           <a:p>
             <a:fld id="{530820CF-B880-4189-942D-D702A7CBA730}" type="datetimeFigureOut">
               <a:rPr lang="zh-CN" altLang="en-US" smtClean="0"/>
-              <a:t>2018/8/26</a:t>
+              <a:t>2018/9/3</a:t>
             </a:fld>
             <a:endParaRPr lang="zh-CN" altLang="en-US"/>
           </a:p>
@@ -2222,7 +2222,7 @@
           <a:p>
             <a:fld id="{530820CF-B880-4189-942D-D702A7CBA730}" type="datetimeFigureOut">
               <a:rPr lang="zh-CN" altLang="en-US" smtClean="0"/>
-              <a:t>2018/8/26</a:t>
+              <a:t>2018/9/3</a:t>
             </a:fld>
             <a:endParaRPr lang="zh-CN" altLang="en-US"/>
           </a:p>
@@ -2470,7 +2470,7 @@
           <a:p>
             <a:fld id="{530820CF-B880-4189-942D-D702A7CBA730}" type="datetimeFigureOut">
               <a:rPr lang="zh-CN" altLang="en-US" smtClean="0"/>
-              <a:t>2018/8/26</a:t>
+              <a:t>2018/9/3</a:t>
             </a:fld>
             <a:endParaRPr lang="zh-CN" altLang="en-US"/>
           </a:p>
@@ -2678,7 +2678,7 @@
           <a:p>
             <a:fld id="{530820CF-B880-4189-942D-D702A7CBA730}" type="datetimeFigureOut">
               <a:rPr lang="zh-CN" altLang="en-US" smtClean="0"/>
-              <a:t>2018/8/26</a:t>
+              <a:t>2018/9/3</a:t>
             </a:fld>
             <a:endParaRPr lang="zh-CN" altLang="en-US"/>
           </a:p>
@@ -3154,11 +3154,7 @@
             <a:pPr algn="l"/>
             <a:r>
               <a:rPr lang="en-US" altLang="zh-CN" dirty="0" smtClean="0"/>
-              <a:t>Block Diag</a:t>
-            </a:r>
-            <a:r>
-              <a:rPr lang="en-US" altLang="zh-CN" dirty="0"/>
-              <a:t>ram</a:t>
+              <a:t>I2C Protocol</a:t>
             </a:r>
             <a:endParaRPr lang="zh-CN" altLang="en-US" dirty="0"/>
           </a:p>
